--- a/Modelica WS 18_19_V3.pptx
+++ b/Modelica WS 18_19_V3.pptx
@@ -7,23 +7,20 @@
     <p:sldMasterId id="2147483681" r:id="rId3"/>
   </p:sldMasterIdLst>
   <p:notesMasterIdLst>
-    <p:notesMasterId r:id="rId15"/>
+    <p:notesMasterId r:id="rId12"/>
   </p:notesMasterIdLst>
   <p:handoutMasterIdLst>
-    <p:handoutMasterId r:id="rId16"/>
+    <p:handoutMasterId r:id="rId13"/>
   </p:handoutMasterIdLst>
   <p:sldIdLst>
     <p:sldId id="268" r:id="rId4"/>
-    <p:sldId id="267" r:id="rId5"/>
-    <p:sldId id="281" r:id="rId6"/>
-    <p:sldId id="292" r:id="rId7"/>
-    <p:sldId id="283" r:id="rId8"/>
-    <p:sldId id="282" r:id="rId9"/>
-    <p:sldId id="284" r:id="rId10"/>
-    <p:sldId id="285" r:id="rId11"/>
-    <p:sldId id="287" r:id="rId12"/>
-    <p:sldId id="289" r:id="rId13"/>
-    <p:sldId id="286" r:id="rId14"/>
+    <p:sldId id="295" r:id="rId5"/>
+    <p:sldId id="300" r:id="rId6"/>
+    <p:sldId id="299" r:id="rId7"/>
+    <p:sldId id="293" r:id="rId8"/>
+    <p:sldId id="301" r:id="rId9"/>
+    <p:sldId id="294" r:id="rId10"/>
+    <p:sldId id="287" r:id="rId11"/>
   </p:sldIdLst>
   <p:sldSz cx="9906000" cy="6858000" type="A4"/>
   <p:notesSz cx="6858000" cy="9144000"/>
@@ -215,7 +212,7 @@
           <a:p>
             <a:fld id="{9A3AFE3A-2CA8-F64E-AFD3-48D0B181CB4E}" type="datetimeFigureOut">
               <a:rPr lang="de-DE" smtClean="0"/>
-              <a:t>12.12.2018</a:t>
+              <a:t>18.12.2018</a:t>
             </a:fld>
             <a:endParaRPr lang="de-DE"/>
           </a:p>
@@ -380,7 +377,7 @@
           <a:p>
             <a:fld id="{24E4A54A-5FDC-3640-9346-2A564B830E0C}" type="datetimeFigureOut">
               <a:rPr lang="de-DE" smtClean="0"/>
-              <a:t>12.12.2018</a:t>
+              <a:t>18.12.2018</a:t>
             </a:fld>
             <a:endParaRPr lang="de-DE"/>
           </a:p>
@@ -444,38 +441,37 @@
           <a:p>
             <a:pPr lvl="0"/>
             <a:r>
-              <a:rPr lang="de-DE" smtClean="0"/>
+              <a:rPr lang="de-DE"/>
               <a:t>Mastertextformat bearbeiten</a:t>
             </a:r>
           </a:p>
           <a:p>
             <a:pPr lvl="1"/>
             <a:r>
-              <a:rPr lang="de-DE" smtClean="0"/>
+              <a:rPr lang="de-DE"/>
               <a:t>Zweite Ebene</a:t>
             </a:r>
           </a:p>
           <a:p>
             <a:pPr lvl="2"/>
             <a:r>
-              <a:rPr lang="de-DE" smtClean="0"/>
+              <a:rPr lang="de-DE"/>
               <a:t>Dritte Ebene</a:t>
             </a:r>
           </a:p>
           <a:p>
             <a:pPr lvl="3"/>
             <a:r>
-              <a:rPr lang="de-DE" smtClean="0"/>
+              <a:rPr lang="de-DE"/>
               <a:t>Vierte Ebene</a:t>
             </a:r>
           </a:p>
           <a:p>
             <a:pPr lvl="4"/>
             <a:r>
-              <a:rPr lang="de-DE" smtClean="0"/>
+              <a:rPr lang="de-DE"/>
               <a:t>Fünfte Ebene</a:t>
             </a:r>
-            <a:endParaRPr lang="de-DE"/>
           </a:p>
         </p:txBody>
       </p:sp>
@@ -648,6 +644,503 @@
 </p:notesMaster>
 </file>
 
+<file path=ppt/notesSlides/notesSlide1.xml><?xml version="1.0" encoding="utf-8"?>
+<p:notes xmlns:a="http://schemas.openxmlformats.org/drawingml/2006/main" xmlns:r="http://schemas.openxmlformats.org/officeDocument/2006/relationships" xmlns:p="http://schemas.openxmlformats.org/presentationml/2006/main">
+  <p:cSld>
+    <p:spTree>
+      <p:nvGrpSpPr>
+        <p:cNvPr id="1" name=""/>
+        <p:cNvGrpSpPr/>
+        <p:nvPr/>
+      </p:nvGrpSpPr>
+      <p:grpSpPr>
+        <a:xfrm>
+          <a:off x="0" y="0"/>
+          <a:ext cx="0" cy="0"/>
+          <a:chOff x="0" y="0"/>
+          <a:chExt cx="0" cy="0"/>
+        </a:xfrm>
+      </p:grpSpPr>
+      <p:sp>
+        <p:nvSpPr>
+          <p:cNvPr id="2" name="Folienbildplatzhalter 1"/>
+          <p:cNvSpPr>
+            <a:spLocks noGrp="1" noRot="1" noChangeAspect="1"/>
+          </p:cNvSpPr>
+          <p:nvPr>
+            <p:ph type="sldImg"/>
+          </p:nvPr>
+        </p:nvSpPr>
+        <p:spPr/>
+      </p:sp>
+      <p:sp>
+        <p:nvSpPr>
+          <p:cNvPr id="3" name="Notizenplatzhalter 2"/>
+          <p:cNvSpPr>
+            <a:spLocks noGrp="1"/>
+          </p:cNvSpPr>
+          <p:nvPr>
+            <p:ph type="body" idx="1"/>
+          </p:nvPr>
+        </p:nvSpPr>
+        <p:spPr/>
+        <p:txBody>
+          <a:bodyPr/>
+          <a:lstStyle/>
+          <a:p>
+            <a:pPr marL="171450" marR="0" lvl="0" indent="-171450" algn="l" defTabSz="914400" rtl="0" eaLnBrk="1" fontAlgn="auto" latinLnBrk="0" hangingPunct="1">
+              <a:lnSpc>
+                <a:spcPct val="100000"/>
+              </a:lnSpc>
+              <a:spcBef>
+                <a:spcPts val="0"/>
+              </a:spcBef>
+              <a:spcAft>
+                <a:spcPts val="0"/>
+              </a:spcAft>
+              <a:buClrTx/>
+              <a:buSzTx/>
+              <a:buFontTx/>
+              <a:buChar char="-"/>
+              <a:tabLst/>
+              <a:defRPr/>
+            </a:pPr>
+            <a:r>
+              <a:rPr lang="en-US" dirty="0"/>
+              <a:t>auf </a:t>
+            </a:r>
+            <a:r>
+              <a:rPr lang="en-US" dirty="0" err="1"/>
+              <a:t>plakat</a:t>
+            </a:r>
+            <a:r>
+              <a:rPr lang="en-US" dirty="0"/>
+              <a:t> </a:t>
+            </a:r>
+            <a:r>
+              <a:rPr lang="en-US" dirty="0" err="1"/>
+              <a:t>eingehen</a:t>
+            </a:r>
+            <a:endParaRPr lang="en-US" dirty="0"/>
+          </a:p>
+          <a:p>
+            <a:pPr marL="171450" marR="0" lvl="0" indent="-171450" algn="l" defTabSz="914400" rtl="0" eaLnBrk="1" fontAlgn="auto" latinLnBrk="0" hangingPunct="1">
+              <a:lnSpc>
+                <a:spcPct val="100000"/>
+              </a:lnSpc>
+              <a:spcBef>
+                <a:spcPts val="0"/>
+              </a:spcBef>
+              <a:spcAft>
+                <a:spcPts val="0"/>
+              </a:spcAft>
+              <a:buClrTx/>
+              <a:buSzTx/>
+              <a:buFontTx/>
+              <a:buChar char="-"/>
+              <a:tabLst/>
+              <a:defRPr/>
+            </a:pPr>
+            <a:r>
+              <a:rPr lang="en-US" dirty="0" err="1"/>
+              <a:t>Aufgabenstellung</a:t>
+            </a:r>
+            <a:endParaRPr lang="en-US" dirty="0"/>
+          </a:p>
+          <a:p>
+            <a:pPr marL="171450" marR="0" lvl="0" indent="-171450" algn="l" defTabSz="914400" rtl="0" eaLnBrk="1" fontAlgn="auto" latinLnBrk="0" hangingPunct="1">
+              <a:lnSpc>
+                <a:spcPct val="100000"/>
+              </a:lnSpc>
+              <a:spcBef>
+                <a:spcPts val="0"/>
+              </a:spcBef>
+              <a:spcAft>
+                <a:spcPts val="0"/>
+              </a:spcAft>
+              <a:buClrTx/>
+              <a:buSzTx/>
+              <a:buFontTx/>
+              <a:buChar char="-"/>
+              <a:tabLst/>
+              <a:defRPr/>
+            </a:pPr>
+            <a:r>
+              <a:rPr lang="en-US" dirty="0" err="1"/>
+              <a:t>informationskondensation</a:t>
+            </a:r>
+            <a:endParaRPr lang="en-US" dirty="0"/>
+          </a:p>
+          <a:p>
+            <a:pPr marL="171450" marR="0" lvl="0" indent="-171450" algn="l" defTabSz="914400" rtl="0" eaLnBrk="1" fontAlgn="auto" latinLnBrk="0" hangingPunct="1">
+              <a:lnSpc>
+                <a:spcPct val="100000"/>
+              </a:lnSpc>
+              <a:spcBef>
+                <a:spcPts val="0"/>
+              </a:spcBef>
+              <a:spcAft>
+                <a:spcPts val="0"/>
+              </a:spcAft>
+              <a:buClrTx/>
+              <a:buSzTx/>
+              <a:buFontTx/>
+              <a:buChar char="-"/>
+              <a:tabLst/>
+              <a:defRPr/>
+            </a:pPr>
+            <a:endParaRPr lang="en-US" dirty="0"/>
+          </a:p>
+          <a:p>
+            <a:endParaRPr lang="de-DE" dirty="0"/>
+          </a:p>
+        </p:txBody>
+      </p:sp>
+      <p:sp>
+        <p:nvSpPr>
+          <p:cNvPr id="4" name="Foliennummernplatzhalter 3"/>
+          <p:cNvSpPr>
+            <a:spLocks noGrp="1"/>
+          </p:cNvSpPr>
+          <p:nvPr>
+            <p:ph type="sldNum" sz="quarter" idx="5"/>
+          </p:nvPr>
+        </p:nvSpPr>
+        <p:spPr/>
+        <p:txBody>
+          <a:bodyPr/>
+          <a:lstStyle/>
+          <a:p>
+            <a:fld id="{95B8625A-4FE3-C044-A0AF-218DCEFA6327}" type="slidenum">
+              <a:rPr lang="de-DE" smtClean="0"/>
+              <a:t>2</a:t>
+            </a:fld>
+            <a:endParaRPr lang="de-DE"/>
+          </a:p>
+        </p:txBody>
+      </p:sp>
+    </p:spTree>
+    <p:extLst>
+      <p:ext uri="{BB962C8B-B14F-4D97-AF65-F5344CB8AC3E}">
+        <p14:creationId xmlns:p14="http://schemas.microsoft.com/office/powerpoint/2010/main" val="1461034813"/>
+      </p:ext>
+    </p:extLst>
+  </p:cSld>
+  <p:clrMapOvr>
+    <a:masterClrMapping/>
+  </p:clrMapOvr>
+</p:notes>
+</file>
+
+<file path=ppt/notesSlides/notesSlide2.xml><?xml version="1.0" encoding="utf-8"?>
+<p:notes xmlns:a="http://schemas.openxmlformats.org/drawingml/2006/main" xmlns:r="http://schemas.openxmlformats.org/officeDocument/2006/relationships" xmlns:p="http://schemas.openxmlformats.org/presentationml/2006/main">
+  <p:cSld>
+    <p:spTree>
+      <p:nvGrpSpPr>
+        <p:cNvPr id="1" name=""/>
+        <p:cNvGrpSpPr/>
+        <p:nvPr/>
+      </p:nvGrpSpPr>
+      <p:grpSpPr>
+        <a:xfrm>
+          <a:off x="0" y="0"/>
+          <a:ext cx="0" cy="0"/>
+          <a:chOff x="0" y="0"/>
+          <a:chExt cx="0" cy="0"/>
+        </a:xfrm>
+      </p:grpSpPr>
+      <p:sp>
+        <p:nvSpPr>
+          <p:cNvPr id="2" name="Folienbildplatzhalter 1"/>
+          <p:cNvSpPr>
+            <a:spLocks noGrp="1" noRot="1" noChangeAspect="1"/>
+          </p:cNvSpPr>
+          <p:nvPr>
+            <p:ph type="sldImg"/>
+          </p:nvPr>
+        </p:nvSpPr>
+        <p:spPr/>
+      </p:sp>
+      <p:sp>
+        <p:nvSpPr>
+          <p:cNvPr id="3" name="Notizenplatzhalter 2"/>
+          <p:cNvSpPr>
+            <a:spLocks noGrp="1"/>
+          </p:cNvSpPr>
+          <p:nvPr>
+            <p:ph type="body" idx="1"/>
+          </p:nvPr>
+        </p:nvSpPr>
+        <p:spPr/>
+        <p:txBody>
+          <a:bodyPr/>
+          <a:lstStyle/>
+          <a:p>
+            <a:endParaRPr lang="de-DE" dirty="0"/>
+          </a:p>
+        </p:txBody>
+      </p:sp>
+      <p:sp>
+        <p:nvSpPr>
+          <p:cNvPr id="4" name="Foliennummernplatzhalter 3"/>
+          <p:cNvSpPr>
+            <a:spLocks noGrp="1"/>
+          </p:cNvSpPr>
+          <p:nvPr>
+            <p:ph type="sldNum" sz="quarter" idx="5"/>
+          </p:nvPr>
+        </p:nvSpPr>
+        <p:spPr/>
+        <p:txBody>
+          <a:bodyPr/>
+          <a:lstStyle/>
+          <a:p>
+            <a:fld id="{95B8625A-4FE3-C044-A0AF-218DCEFA6327}" type="slidenum">
+              <a:rPr lang="de-DE" smtClean="0"/>
+              <a:t>3</a:t>
+            </a:fld>
+            <a:endParaRPr lang="de-DE"/>
+          </a:p>
+        </p:txBody>
+      </p:sp>
+    </p:spTree>
+    <p:extLst>
+      <p:ext uri="{BB962C8B-B14F-4D97-AF65-F5344CB8AC3E}">
+        <p14:creationId xmlns:p14="http://schemas.microsoft.com/office/powerpoint/2010/main" val="109862878"/>
+      </p:ext>
+    </p:extLst>
+  </p:cSld>
+  <p:clrMapOvr>
+    <a:masterClrMapping/>
+  </p:clrMapOvr>
+</p:notes>
+</file>
+
+<file path=ppt/notesSlides/notesSlide3.xml><?xml version="1.0" encoding="utf-8"?>
+<p:notes xmlns:a="http://schemas.openxmlformats.org/drawingml/2006/main" xmlns:r="http://schemas.openxmlformats.org/officeDocument/2006/relationships" xmlns:p="http://schemas.openxmlformats.org/presentationml/2006/main">
+  <p:cSld>
+    <p:spTree>
+      <p:nvGrpSpPr>
+        <p:cNvPr id="1" name=""/>
+        <p:cNvGrpSpPr/>
+        <p:nvPr/>
+      </p:nvGrpSpPr>
+      <p:grpSpPr>
+        <a:xfrm>
+          <a:off x="0" y="0"/>
+          <a:ext cx="0" cy="0"/>
+          <a:chOff x="0" y="0"/>
+          <a:chExt cx="0" cy="0"/>
+        </a:xfrm>
+      </p:grpSpPr>
+      <p:sp>
+        <p:nvSpPr>
+          <p:cNvPr id="2" name="Folienbildplatzhalter 1"/>
+          <p:cNvSpPr>
+            <a:spLocks noGrp="1" noRot="1" noChangeAspect="1"/>
+          </p:cNvSpPr>
+          <p:nvPr>
+            <p:ph type="sldImg"/>
+          </p:nvPr>
+        </p:nvSpPr>
+        <p:spPr/>
+      </p:sp>
+      <p:sp>
+        <p:nvSpPr>
+          <p:cNvPr id="3" name="Notizenplatzhalter 2"/>
+          <p:cNvSpPr>
+            <a:spLocks noGrp="1"/>
+          </p:cNvSpPr>
+          <p:nvPr>
+            <p:ph type="body" idx="1"/>
+          </p:nvPr>
+        </p:nvSpPr>
+        <p:spPr/>
+        <p:txBody>
+          <a:bodyPr/>
+          <a:lstStyle/>
+          <a:p>
+            <a:pPr marL="171450" indent="-171450">
+              <a:buFontTx/>
+              <a:buChar char="-"/>
+            </a:pPr>
+            <a:r>
+              <a:rPr lang="en-US" dirty="0" err="1"/>
+              <a:t>Strukturerklärung</a:t>
+            </a:r>
+            <a:endParaRPr lang="en-US" dirty="0"/>
+          </a:p>
+          <a:p>
+            <a:pPr marL="171450" marR="0" lvl="0" indent="-171450" algn="l" defTabSz="914400" rtl="0" eaLnBrk="1" fontAlgn="auto" latinLnBrk="0" hangingPunct="1">
+              <a:lnSpc>
+                <a:spcPct val="100000"/>
+              </a:lnSpc>
+              <a:spcBef>
+                <a:spcPts val="0"/>
+              </a:spcBef>
+              <a:spcAft>
+                <a:spcPts val="0"/>
+              </a:spcAft>
+              <a:buClrTx/>
+              <a:buSzTx/>
+              <a:buFontTx/>
+              <a:buChar char="-"/>
+              <a:tabLst/>
+              <a:defRPr/>
+            </a:pPr>
+            <a:r>
+              <a:rPr lang="en-US" dirty="0" err="1"/>
+              <a:t>Innenleben</a:t>
+            </a:r>
+            <a:r>
+              <a:rPr lang="en-US" dirty="0"/>
+              <a:t> der </a:t>
+            </a:r>
+            <a:r>
+              <a:rPr lang="en-US" dirty="0" err="1"/>
+              <a:t>modelle</a:t>
+            </a:r>
+            <a:endParaRPr lang="en-US" dirty="0"/>
+          </a:p>
+          <a:p>
+            <a:pPr marL="171450" marR="0" lvl="0" indent="-171450" algn="l" defTabSz="914400" rtl="0" eaLnBrk="1" fontAlgn="auto" latinLnBrk="0" hangingPunct="1">
+              <a:lnSpc>
+                <a:spcPct val="100000"/>
+              </a:lnSpc>
+              <a:spcBef>
+                <a:spcPts val="0"/>
+              </a:spcBef>
+              <a:spcAft>
+                <a:spcPts val="0"/>
+              </a:spcAft>
+              <a:buClrTx/>
+              <a:buSzTx/>
+              <a:buFontTx/>
+              <a:buChar char="-"/>
+              <a:tabLst/>
+              <a:defRPr/>
+            </a:pPr>
+            <a:r>
+              <a:rPr lang="en-US" dirty="0" err="1"/>
+              <a:t>Übergabe-Größen</a:t>
+            </a:r>
+            <a:r>
+              <a:rPr lang="en-US" dirty="0"/>
+              <a:t> (input/outputs)</a:t>
+            </a:r>
+          </a:p>
+          <a:p>
+            <a:pPr marL="171450" marR="0" lvl="0" indent="-171450" algn="l" defTabSz="914400" rtl="0" eaLnBrk="1" fontAlgn="auto" latinLnBrk="0" hangingPunct="1">
+              <a:lnSpc>
+                <a:spcPct val="100000"/>
+              </a:lnSpc>
+              <a:spcBef>
+                <a:spcPts val="0"/>
+              </a:spcBef>
+              <a:spcAft>
+                <a:spcPts val="0"/>
+              </a:spcAft>
+              <a:buClrTx/>
+              <a:buSzTx/>
+              <a:buFontTx/>
+              <a:buChar char="-"/>
+              <a:tabLst/>
+              <a:defRPr/>
+            </a:pPr>
+            <a:r>
+              <a:rPr lang="en-US" dirty="0" err="1"/>
+              <a:t>Austauschen</a:t>
+            </a:r>
+            <a:r>
+              <a:rPr lang="en-US" dirty="0"/>
+              <a:t> der </a:t>
+            </a:r>
+            <a:r>
+              <a:rPr lang="en-US" dirty="0" err="1"/>
+              <a:t>hausgeometrie</a:t>
+            </a:r>
+            <a:r>
+              <a:rPr lang="en-US" dirty="0"/>
+              <a:t> </a:t>
+            </a:r>
+            <a:r>
+              <a:rPr lang="en-US" dirty="0" err="1"/>
+              <a:t>möglich</a:t>
+            </a:r>
+            <a:endParaRPr lang="en-DE" dirty="0"/>
+          </a:p>
+          <a:p>
+            <a:pPr marL="171450" marR="0" lvl="0" indent="-171450" algn="l" defTabSz="914400" rtl="0" eaLnBrk="1" fontAlgn="auto" latinLnBrk="0" hangingPunct="1">
+              <a:lnSpc>
+                <a:spcPct val="100000"/>
+              </a:lnSpc>
+              <a:spcBef>
+                <a:spcPts val="0"/>
+              </a:spcBef>
+              <a:spcAft>
+                <a:spcPts val="0"/>
+              </a:spcAft>
+              <a:buClrTx/>
+              <a:buSzTx/>
+              <a:buFontTx/>
+              <a:buChar char="-"/>
+              <a:tabLst/>
+              <a:defRPr/>
+            </a:pPr>
+            <a:endParaRPr lang="en-US" dirty="0"/>
+          </a:p>
+          <a:p>
+            <a:pPr marL="171450" indent="-171450">
+              <a:buFontTx/>
+              <a:buChar char="-"/>
+            </a:pPr>
+            <a:endParaRPr lang="en-US" dirty="0"/>
+          </a:p>
+          <a:p>
+            <a:pPr marL="171450" indent="-171450">
+              <a:buFontTx/>
+              <a:buChar char="-"/>
+            </a:pPr>
+            <a:endParaRPr lang="de-DE" dirty="0"/>
+          </a:p>
+        </p:txBody>
+      </p:sp>
+      <p:sp>
+        <p:nvSpPr>
+          <p:cNvPr id="4" name="Foliennummernplatzhalter 3"/>
+          <p:cNvSpPr>
+            <a:spLocks noGrp="1"/>
+          </p:cNvSpPr>
+          <p:nvPr>
+            <p:ph type="sldNum" sz="quarter" idx="5"/>
+          </p:nvPr>
+        </p:nvSpPr>
+        <p:spPr/>
+        <p:txBody>
+          <a:bodyPr/>
+          <a:lstStyle/>
+          <a:p>
+            <a:fld id="{95B8625A-4FE3-C044-A0AF-218DCEFA6327}" type="slidenum">
+              <a:rPr lang="de-DE" smtClean="0"/>
+              <a:t>8</a:t>
+            </a:fld>
+            <a:endParaRPr lang="de-DE"/>
+          </a:p>
+        </p:txBody>
+      </p:sp>
+    </p:spTree>
+    <p:extLst>
+      <p:ext uri="{BB962C8B-B14F-4D97-AF65-F5344CB8AC3E}">
+        <p14:creationId xmlns:p14="http://schemas.microsoft.com/office/powerpoint/2010/main" val="1357450761"/>
+      </p:ext>
+    </p:extLst>
+  </p:cSld>
+  <p:clrMapOvr>
+    <a:masterClrMapping/>
+  </p:clrMapOvr>
+</p:notes>
+</file>
+
 <file path=ppt/slideLayouts/slideLayout1.xml><?xml version="1.0" encoding="utf-8"?>
 <p:sldLayout xmlns:a="http://schemas.openxmlformats.org/drawingml/2006/main" xmlns:r="http://schemas.openxmlformats.org/officeDocument/2006/relationships" xmlns:p="http://schemas.openxmlformats.org/presentationml/2006/main" preserve="1" userDrawn="1">
   <p:cSld name="Titel und Inhalt">
@@ -699,7 +1192,7 @@
           </a:lstStyle>
           <a:p>
             <a:r>
-              <a:rPr lang="de-DE" smtClean="0"/>
+              <a:rPr lang="de-DE"/>
               <a:t>Titelmasterformat durch Klicken bearbeiten</a:t>
             </a:r>
             <a:endParaRPr lang="en-US" dirty="0"/>
@@ -777,7 +1270,7 @@
           <a:p>
             <a:pPr lvl="0"/>
             <a:r>
-              <a:rPr lang="de-DE" smtClean="0"/>
+              <a:rPr lang="de-DE"/>
               <a:t>Formatvorlagen des Textmasters bearbeiten</a:t>
             </a:r>
           </a:p>
@@ -793,13 +1286,6 @@
   <p:clrMapOvr>
     <a:masterClrMapping/>
   </p:clrMapOvr>
-  <p:timing>
-    <p:tnLst>
-      <p:par>
-        <p:cTn id="1" dur="indefinite" restart="never" nodeType="tmRoot"/>
-      </p:par>
-    </p:tnLst>
-  </p:timing>
   <p:extLst mod="1">
     <p:ext uri="{DCECCB84-F9BA-43D5-87BE-67443E8EF086}">
       <p15:sldGuideLst xmlns:p15="http://schemas.microsoft.com/office/powerpoint/2012/main">
@@ -865,7 +1351,7 @@
           </a:lstStyle>
           <a:p>
             <a:r>
-              <a:rPr lang="de-DE" smtClean="0"/>
+              <a:rPr lang="de-DE"/>
               <a:t>Titelmasterformat durch Klicken bearbeiten</a:t>
             </a:r>
             <a:endParaRPr lang="en-US" dirty="0"/>
@@ -948,7 +1434,7 @@
           <a:p>
             <a:pPr lvl="0"/>
             <a:r>
-              <a:rPr lang="de-DE" smtClean="0"/>
+              <a:rPr lang="de-DE"/>
               <a:t>Formatvorlagen des Textmasters bearbeiten</a:t>
             </a:r>
           </a:p>
@@ -964,13 +1450,6 @@
   <p:clrMapOvr>
     <a:masterClrMapping/>
   </p:clrMapOvr>
-  <p:timing>
-    <p:tnLst>
-      <p:par>
-        <p:cTn id="1" dur="indefinite" restart="never" nodeType="tmRoot"/>
-      </p:par>
-    </p:tnLst>
-  </p:timing>
 </p:sldLayout>
 </file>
 
@@ -1025,7 +1504,7 @@
           </a:lstStyle>
           <a:p>
             <a:r>
-              <a:rPr lang="de-DE" smtClean="0"/>
+              <a:rPr lang="de-DE"/>
               <a:t>Titelmasterformat durch Klicken bearbeiten</a:t>
             </a:r>
             <a:endParaRPr lang="en-US" dirty="0"/>
@@ -1103,7 +1582,7 @@
           <a:p>
             <a:pPr lvl="0"/>
             <a:r>
-              <a:rPr lang="de-DE" smtClean="0"/>
+              <a:rPr lang="de-DE"/>
               <a:t>Formatvorlagen des Textmasters bearbeiten</a:t>
             </a:r>
           </a:p>
@@ -1180,7 +1659,7 @@
           <a:p>
             <a:pPr lvl="0"/>
             <a:r>
-              <a:rPr lang="de-DE" smtClean="0"/>
+              <a:rPr lang="de-DE"/>
               <a:t>Formatvorlagen des Textmasters bearbeiten</a:t>
             </a:r>
           </a:p>
@@ -1280,7 +1759,7 @@
           </a:lstStyle>
           <a:p>
             <a:r>
-              <a:rPr lang="de-DE" smtClean="0"/>
+              <a:rPr lang="de-DE"/>
               <a:t>Titelmasterformat durch Klicken bearbeiten</a:t>
             </a:r>
             <a:endParaRPr lang="en-US" dirty="0"/>
@@ -1477,7 +1956,7 @@
               </a:lnSpc>
             </a:pPr>
             <a:r>
-              <a:rPr lang="de-DE" dirty="0" smtClean="0">
+              <a:rPr lang="de-DE" dirty="0">
                 <a:solidFill>
                   <a:schemeClr val="bg1"/>
                 </a:solidFill>
@@ -1485,14 +1964,14 @@
               <a:t>Titel oder Referenten</a:t>
             </a:r>
             <a:r>
-              <a:rPr lang="de-DE" baseline="0" dirty="0" smtClean="0">
+              <a:rPr lang="de-DE" baseline="0" dirty="0">
                 <a:solidFill>
                   <a:schemeClr val="bg1"/>
                 </a:solidFill>
               </a:rPr>
               <a:t> via Folienmaster zu bearbeiten</a:t>
             </a:r>
-            <a:endParaRPr lang="de-DE" dirty="0" smtClean="0">
+            <a:endParaRPr lang="de-DE" dirty="0">
               <a:solidFill>
                 <a:schemeClr val="bg1"/>
               </a:solidFill>
@@ -1685,7 +2164,7 @@
           </a:lstStyle>
           <a:p>
             <a:r>
-              <a:rPr lang="de-DE" dirty="0" smtClean="0">
+              <a:rPr lang="de-DE" dirty="0">
                 <a:solidFill>
                   <a:schemeClr val="bg1"/>
                 </a:solidFill>
@@ -1889,7 +2368,7 @@
               <a:t>‹Nr.›</a:t>
             </a:fld>
             <a:r>
-              <a:rPr lang="de-DE" dirty="0" smtClean="0">
+              <a:rPr lang="de-DE" dirty="0">
                 <a:solidFill>
                   <a:schemeClr val="bg1"/>
                 </a:solidFill>
@@ -2097,7 +2576,7 @@
           <a:p>
             <a:pPr lvl="0"/>
             <a:r>
-              <a:rPr lang="de-DE" dirty="0" smtClean="0"/>
+              <a:rPr lang="de-DE" dirty="0"/>
               <a:t>26.06.17</a:t>
             </a:r>
           </a:p>
@@ -2187,7 +2666,7 @@
           <a:p>
             <a:pPr lvl="0"/>
             <a:r>
-              <a:rPr lang="de-DE" dirty="0" smtClean="0"/>
+              <a:rPr lang="de-DE" dirty="0"/>
               <a:t>Titel eingeben</a:t>
             </a:r>
           </a:p>
@@ -2361,7 +2840,7 @@
           <a:p>
             <a:pPr lvl="0"/>
             <a:r>
-              <a:rPr lang="de-DE" dirty="0" smtClean="0"/>
+              <a:rPr lang="de-DE" dirty="0"/>
               <a:t>26. Juni 2017</a:t>
             </a:r>
           </a:p>
@@ -2451,7 +2930,7 @@
           <a:p>
             <a:pPr lvl="0"/>
             <a:r>
-              <a:rPr lang="de-DE" dirty="0" smtClean="0"/>
+              <a:rPr lang="de-DE" dirty="0"/>
               <a:t>Fakultätsmarke eingeben</a:t>
             </a:r>
           </a:p>
@@ -2532,7 +3011,7 @@
           <a:p>
             <a:pPr lvl="0"/>
             <a:r>
-              <a:rPr lang="de-DE" dirty="0" smtClean="0"/>
+              <a:rPr lang="de-DE" dirty="0"/>
               <a:t>Namen der Referenten eingeben</a:t>
             </a:r>
           </a:p>
@@ -2706,7 +3185,7 @@
           <a:p>
             <a:pPr lvl="0"/>
             <a:r>
-              <a:rPr lang="de-DE" dirty="0" smtClean="0"/>
+              <a:rPr lang="de-DE" dirty="0"/>
               <a:t>26. Juni 2017</a:t>
             </a:r>
           </a:p>
@@ -2796,7 +3275,7 @@
           <a:p>
             <a:pPr lvl="0"/>
             <a:r>
-              <a:rPr lang="de-DE" dirty="0" smtClean="0"/>
+              <a:rPr lang="de-DE" dirty="0"/>
               <a:t>Fakultätsmarke eingeben</a:t>
             </a:r>
           </a:p>
@@ -2877,7 +3356,7 @@
           <a:p>
             <a:pPr lvl="0"/>
             <a:r>
-              <a:rPr lang="de-DE" dirty="0" smtClean="0"/>
+              <a:rPr lang="de-DE" dirty="0"/>
               <a:t>Namen der Referenten eingeben</a:t>
             </a:r>
           </a:p>
@@ -3081,7 +3560,7 @@
           <a:p>
             <a:pPr lvl="0"/>
             <a:r>
-              <a:rPr lang="de-DE" dirty="0" smtClean="0"/>
+              <a:rPr lang="de-DE" dirty="0"/>
               <a:t>26. Juni 2017</a:t>
             </a:r>
           </a:p>
@@ -3171,7 +3650,7 @@
           <a:p>
             <a:pPr lvl="0"/>
             <a:r>
-              <a:rPr lang="de-DE" dirty="0" smtClean="0"/>
+              <a:rPr lang="de-DE" dirty="0"/>
               <a:t>Titel eingeben</a:t>
             </a:r>
           </a:p>
@@ -3432,22 +3911,22 @@
               </a:lnSpc>
             </a:pPr>
             <a:r>
-              <a:rPr lang="de-DE" dirty="0" smtClean="0"/>
+              <a:rPr lang="de-DE" dirty="0"/>
               <a:t>Modellierung einer </a:t>
             </a:r>
             <a:r>
-              <a:rPr lang="de-DE" dirty="0" err="1" smtClean="0"/>
+              <a:rPr lang="de-DE" dirty="0" err="1"/>
               <a:t>Modelica</a:t>
             </a:r>
             <a:r>
-              <a:rPr lang="de-DE" dirty="0" smtClean="0"/>
+              <a:rPr lang="de-DE" dirty="0"/>
               <a:t>-Bibliothek</a:t>
             </a:r>
             <a:r>
-              <a:rPr lang="de-DE" baseline="0" dirty="0" smtClean="0"/>
+              <a:rPr lang="de-DE" baseline="0" dirty="0"/>
               <a:t> für ein Glasgewächshaus </a:t>
             </a:r>
-            <a:endParaRPr lang="de-DE" dirty="0" smtClean="0"/>
+            <a:endParaRPr lang="de-DE" dirty="0"/>
           </a:p>
         </p:txBody>
       </p:sp>
@@ -3636,14 +4115,14 @@
           </a:lstStyle>
           <a:p>
             <a:r>
-              <a:rPr lang="de-DE" dirty="0" err="1" smtClean="0"/>
+              <a:rPr lang="de-DE" dirty="0" err="1"/>
               <a:t>Modelica</a:t>
             </a:r>
             <a:r>
-              <a:rPr lang="de-DE" baseline="0" dirty="0" smtClean="0"/>
+              <a:rPr lang="de-DE" baseline="0" dirty="0"/>
               <a:t> Seminar WS 18/19</a:t>
             </a:r>
-            <a:endParaRPr lang="de-DE" dirty="0" smtClean="0"/>
+            <a:endParaRPr lang="de-DE" dirty="0"/>
           </a:p>
         </p:txBody>
       </p:sp>
@@ -3837,7 +4316,7 @@
               <a:t>‹Nr.›</a:t>
             </a:fld>
             <a:r>
-              <a:rPr lang="de-DE" dirty="0" smtClean="0"/>
+              <a:rPr lang="de-DE" dirty="0"/>
               <a:t> </a:t>
             </a:r>
           </a:p>
@@ -3857,13 +4336,6 @@
     <p:sldLayoutId id="2147483694" r:id="rId3"/>
     <p:sldLayoutId id="2147483695" r:id="rId4"/>
   </p:sldLayoutIdLst>
-  <p:timing>
-    <p:tnLst>
-      <p:par>
-        <p:cTn id="1" dur="indefinite" restart="never" nodeType="tmRoot"/>
-      </p:par>
-    </p:tnLst>
-  </p:timing>
   <p:txStyles>
     <p:titleStyle>
       <a:lvl1pPr algn="l" defTabSz="914400" rtl="0" eaLnBrk="1" latinLnBrk="0" hangingPunct="1">
@@ -4972,7 +5444,7 @@
           <a:lstStyle/>
           <a:p>
             <a:r>
-              <a:rPr lang="de-DE" dirty="0" smtClean="0"/>
+              <a:rPr lang="de-DE" dirty="0"/>
               <a:t>18.12.2018</a:t>
             </a:r>
           </a:p>
@@ -4981,24 +5453,23 @@
           </a:p>
           <a:p>
             <a:r>
-              <a:rPr lang="de-DE" dirty="0" smtClean="0"/>
+              <a:rPr lang="de-DE" dirty="0"/>
               <a:t>Prof. Dr.-Ing. Mike Barth</a:t>
             </a:r>
           </a:p>
           <a:p>
             <a:r>
-              <a:rPr lang="de-DE" dirty="0" smtClean="0"/>
+              <a:rPr lang="de-DE" dirty="0"/>
               <a:t>Christian Härle, </a:t>
             </a:r>
             <a:r>
-              <a:rPr lang="de-DE" dirty="0" err="1" smtClean="0"/>
+              <a:rPr lang="de-DE" dirty="0" err="1"/>
               <a:t>M.Sc</a:t>
             </a:r>
             <a:r>
-              <a:rPr lang="de-DE" dirty="0" smtClean="0"/>
+              <a:rPr lang="de-DE" dirty="0"/>
               <a:t>.</a:t>
             </a:r>
-            <a:endParaRPr lang="de-DE" dirty="0"/>
           </a:p>
         </p:txBody>
       </p:sp>
@@ -5023,7 +5494,7 @@
           <a:lstStyle/>
           <a:p>
             <a:r>
-              <a:rPr lang="de-DE" dirty="0" smtClean="0">
+              <a:rPr lang="de-DE" dirty="0">
                 <a:solidFill>
                   <a:schemeClr val="bg1"/>
                 </a:solidFill>
@@ -5032,33 +5503,28 @@
             </a:r>
           </a:p>
           <a:p>
-            <a:r>
-              <a:rPr lang="de-DE" sz="1050" dirty="0" smtClean="0"/>
-              <a:t/>
-            </a:r>
             <a:br>
-              <a:rPr lang="de-DE" sz="1050" dirty="0" smtClean="0"/>
+              <a:rPr lang="de-DE" sz="1050" dirty="0"/>
             </a:br>
             <a:r>
-              <a:rPr lang="de-DE" dirty="0" smtClean="0"/>
+              <a:rPr lang="de-DE" dirty="0"/>
               <a:t>Modellierung einer </a:t>
             </a:r>
             <a:r>
-              <a:rPr lang="de-DE" dirty="0" err="1" smtClean="0"/>
+              <a:rPr lang="de-DE" dirty="0" err="1"/>
               <a:t>Modelica</a:t>
             </a:r>
             <a:r>
-              <a:rPr lang="de-DE" dirty="0" smtClean="0"/>
+              <a:rPr lang="de-DE" dirty="0"/>
               <a:t>-Bibliothek für ein </a:t>
             </a:r>
             <a:br>
-              <a:rPr lang="de-DE" dirty="0" smtClean="0"/>
+              <a:rPr lang="de-DE" dirty="0"/>
             </a:br>
             <a:r>
-              <a:rPr lang="de-DE" dirty="0" smtClean="0"/>
+              <a:rPr lang="de-DE" dirty="0"/>
               <a:t>Glas-Gewächshaus</a:t>
             </a:r>
-            <a:endParaRPr lang="de-DE" dirty="0"/>
           </a:p>
         </p:txBody>
       </p:sp>
@@ -5071,7 +5537,7 @@
         <p:spPr>
           <a:xfrm>
             <a:off x="4560141" y="6581001"/>
-            <a:ext cx="5727033" cy="276999"/>
+            <a:ext cx="5727033" cy="253916"/>
           </a:xfrm>
           <a:prstGeom prst="rect">
             <a:avLst/>
@@ -5086,18 +5552,32 @@
           <a:p>
             <a:pPr algn="ctr"/>
             <a:r>
-              <a:rPr lang="de-DE" sz="1200" dirty="0" smtClean="0"/>
+              <a:rPr lang="de-DE" sz="1050" dirty="0">
+                <a:solidFill>
+                  <a:srgbClr val="626254"/>
+                </a:solidFill>
+                <a:latin typeface="Arial" charset="0"/>
+              </a:rPr>
               <a:t>Gruppe 1: Cemil Baki, Heiko </a:t>
             </a:r>
             <a:r>
-              <a:rPr lang="de-DE" sz="1200" dirty="0" err="1" smtClean="0"/>
+              <a:rPr lang="de-DE" sz="1050" dirty="0" err="1">
+                <a:solidFill>
+                  <a:srgbClr val="626254"/>
+                </a:solidFill>
+                <a:latin typeface="Arial" charset="0"/>
+              </a:rPr>
               <a:t>Bielik</a:t>
             </a:r>
             <a:r>
-              <a:rPr lang="de-DE" sz="1200" dirty="0" smtClean="0"/>
+              <a:rPr lang="de-DE" sz="1050" dirty="0">
+                <a:solidFill>
+                  <a:srgbClr val="626254"/>
+                </a:solidFill>
+                <a:latin typeface="Arial" charset="0"/>
+              </a:rPr>
               <a:t>, Marcel Franzke, Michael Jilg, Harald Krauss</a:t>
             </a:r>
-            <a:endParaRPr lang="de-DE" sz="1200" dirty="0"/>
           </a:p>
         </p:txBody>
       </p:sp>
@@ -5105,181 +5585,6 @@
     <p:extLst>
       <p:ext uri="{BB962C8B-B14F-4D97-AF65-F5344CB8AC3E}">
         <p14:creationId xmlns:p14="http://schemas.microsoft.com/office/powerpoint/2010/main" val="273665873"/>
-      </p:ext>
-    </p:extLst>
-  </p:cSld>
-  <p:clrMapOvr>
-    <a:masterClrMapping/>
-  </p:clrMapOvr>
-  <p:timing>
-    <p:tnLst>
-      <p:par>
-        <p:cTn id="1" dur="indefinite" restart="never" nodeType="tmRoot"/>
-      </p:par>
-    </p:tnLst>
-  </p:timing>
-</p:sld>
-</file>
-
-<file path=ppt/slides/slide10.xml><?xml version="1.0" encoding="utf-8"?>
-<p:sld xmlns:a="http://schemas.openxmlformats.org/drawingml/2006/main" xmlns:r="http://schemas.openxmlformats.org/officeDocument/2006/relationships" xmlns:p="http://schemas.openxmlformats.org/presentationml/2006/main">
-  <p:cSld>
-    <p:spTree>
-      <p:nvGrpSpPr>
-        <p:cNvPr id="1" name=""/>
-        <p:cNvGrpSpPr/>
-        <p:nvPr/>
-      </p:nvGrpSpPr>
-      <p:grpSpPr>
-        <a:xfrm>
-          <a:off x="0" y="0"/>
-          <a:ext cx="0" cy="0"/>
-          <a:chOff x="0" y="0"/>
-          <a:chExt cx="0" cy="0"/>
-        </a:xfrm>
-      </p:grpSpPr>
-      <p:sp>
-        <p:nvSpPr>
-          <p:cNvPr id="2" name="Titel 1"/>
-          <p:cNvSpPr>
-            <a:spLocks noGrp="1"/>
-          </p:cNvSpPr>
-          <p:nvPr>
-            <p:ph type="title"/>
-          </p:nvPr>
-        </p:nvSpPr>
-        <p:spPr/>
-        <p:txBody>
-          <a:bodyPr/>
-          <a:lstStyle/>
-          <a:p>
-            <a:r>
-              <a:rPr lang="de-DE" dirty="0" smtClean="0"/>
-              <a:t>Vergleich: Minimal / Maximal </a:t>
-            </a:r>
-            <a:endParaRPr lang="de-DE" dirty="0"/>
-          </a:p>
-        </p:txBody>
-      </p:sp>
-      <p:sp>
-        <p:nvSpPr>
-          <p:cNvPr id="3" name="Inhaltsplatzhalter 2"/>
-          <p:cNvSpPr>
-            <a:spLocks noGrp="1"/>
-          </p:cNvSpPr>
-          <p:nvPr>
-            <p:ph idx="1"/>
-          </p:nvPr>
-        </p:nvSpPr>
-        <p:spPr/>
-        <p:txBody>
-          <a:bodyPr/>
-          <a:lstStyle/>
-          <a:p>
-            <a:r>
-              <a:rPr lang="de-DE" i="1" dirty="0" smtClean="0"/>
-              <a:t>Temperaturverläufe untereinander dargestellt </a:t>
-            </a:r>
-            <a:endParaRPr lang="de-DE" i="1" dirty="0"/>
-          </a:p>
-        </p:txBody>
-      </p:sp>
-    </p:spTree>
-    <p:extLst>
-      <p:ext uri="{BB962C8B-B14F-4D97-AF65-F5344CB8AC3E}">
-        <p14:creationId xmlns:p14="http://schemas.microsoft.com/office/powerpoint/2010/main" val="3256356926"/>
-      </p:ext>
-    </p:extLst>
-  </p:cSld>
-  <p:clrMapOvr>
-    <a:masterClrMapping/>
-  </p:clrMapOvr>
-</p:sld>
-</file>
-
-<file path=ppt/slides/slide11.xml><?xml version="1.0" encoding="utf-8"?>
-<p:sld xmlns:a="http://schemas.openxmlformats.org/drawingml/2006/main" xmlns:r="http://schemas.openxmlformats.org/officeDocument/2006/relationships" xmlns:p="http://schemas.openxmlformats.org/presentationml/2006/main">
-  <p:cSld>
-    <p:spTree>
-      <p:nvGrpSpPr>
-        <p:cNvPr id="1" name=""/>
-        <p:cNvGrpSpPr/>
-        <p:nvPr/>
-      </p:nvGrpSpPr>
-      <p:grpSpPr>
-        <a:xfrm>
-          <a:off x="0" y="0"/>
-          <a:ext cx="0" cy="0"/>
-          <a:chOff x="0" y="0"/>
-          <a:chExt cx="0" cy="0"/>
-        </a:xfrm>
-      </p:grpSpPr>
-      <p:sp>
-        <p:nvSpPr>
-          <p:cNvPr id="2" name="Titel 1"/>
-          <p:cNvSpPr>
-            <a:spLocks noGrp="1"/>
-          </p:cNvSpPr>
-          <p:nvPr>
-            <p:ph type="title"/>
-          </p:nvPr>
-        </p:nvSpPr>
-        <p:spPr/>
-        <p:txBody>
-          <a:bodyPr/>
-          <a:lstStyle/>
-          <a:p>
-            <a:r>
-              <a:rPr lang="de-DE" dirty="0" smtClean="0"/>
-              <a:t>Vergleich: </a:t>
-            </a:r>
-            <a:r>
-              <a:rPr lang="de-DE" dirty="0" err="1" smtClean="0"/>
-              <a:t>StandardHouse</a:t>
-            </a:r>
-            <a:r>
-              <a:rPr lang="de-DE" dirty="0" smtClean="0"/>
-              <a:t> / </a:t>
-            </a:r>
-            <a:r>
-              <a:rPr lang="de-DE" dirty="0" err="1" smtClean="0"/>
-              <a:t>Igloo</a:t>
-            </a:r>
-            <a:r>
-              <a:rPr lang="de-DE" dirty="0" smtClean="0"/>
-              <a:t> </a:t>
-            </a:r>
-            <a:endParaRPr lang="de-DE" dirty="0"/>
-          </a:p>
-        </p:txBody>
-      </p:sp>
-      <p:sp>
-        <p:nvSpPr>
-          <p:cNvPr id="3" name="Inhaltsplatzhalter 2"/>
-          <p:cNvSpPr>
-            <a:spLocks noGrp="1"/>
-          </p:cNvSpPr>
-          <p:nvPr>
-            <p:ph idx="1"/>
-          </p:nvPr>
-        </p:nvSpPr>
-        <p:spPr/>
-        <p:txBody>
-          <a:bodyPr/>
-          <a:lstStyle/>
-          <a:p>
-            <a:r>
-              <a:rPr lang="de-DE" i="1" dirty="0" smtClean="0"/>
-              <a:t>Temperaturverläufe untereinander dargestellt </a:t>
-            </a:r>
-            <a:endParaRPr lang="de-DE" i="1" dirty="0"/>
-          </a:p>
-        </p:txBody>
-      </p:sp>
-    </p:spTree>
-    <p:extLst>
-      <p:ext uri="{BB962C8B-B14F-4D97-AF65-F5344CB8AC3E}">
-        <p14:creationId xmlns:p14="http://schemas.microsoft.com/office/powerpoint/2010/main" val="285840610"/>
       </p:ext>
     </p:extLst>
   </p:cSld>
@@ -5306,9 +5611,45 @@
           <a:chExt cx="0" cy="0"/>
         </a:xfrm>
       </p:grpSpPr>
+      <p:pic>
+        <p:nvPicPr>
+          <p:cNvPr id="5" name="Grafik 4">
+            <a:extLst>
+              <a:ext uri="{FF2B5EF4-FFF2-40B4-BE49-F238E27FC236}">
+                <a16:creationId xmlns:a16="http://schemas.microsoft.com/office/drawing/2014/main" id="{C9899ED0-6B90-438A-AAC5-BD81D5BAE6F3}"/>
+              </a:ext>
+            </a:extLst>
+          </p:cNvPr>
+          <p:cNvPicPr>
+            <a:picLocks noChangeAspect="1"/>
+          </p:cNvPicPr>
+          <p:nvPr/>
+        </p:nvPicPr>
+        <p:blipFill>
+          <a:blip r:embed="rId3"/>
+          <a:stretch>
+            <a:fillRect/>
+          </a:stretch>
+        </p:blipFill>
+        <p:spPr>
+          <a:xfrm>
+            <a:off x="0" y="1245708"/>
+            <a:ext cx="9906000" cy="3314449"/>
+          </a:xfrm>
+          <a:prstGeom prst="rect">
+            <a:avLst/>
+          </a:prstGeom>
+        </p:spPr>
+      </p:pic>
       <p:sp>
         <p:nvSpPr>
-          <p:cNvPr id="2" name="Titel 1"/>
+          <p:cNvPr id="6" name="Titel 1">
+            <a:extLst>
+              <a:ext uri="{FF2B5EF4-FFF2-40B4-BE49-F238E27FC236}">
+                <a16:creationId xmlns:a16="http://schemas.microsoft.com/office/drawing/2014/main" id="{59AA169F-BDA9-4163-9B6E-1C1C616CE9C7}"/>
+              </a:ext>
+            </a:extLst>
+          </p:cNvPr>
           <p:cNvSpPr>
             <a:spLocks noGrp="1"/>
           </p:cNvSpPr>
@@ -5316,118 +5657,97 @@
             <p:ph type="title"/>
           </p:nvPr>
         </p:nvSpPr>
-        <p:spPr/>
+        <p:spPr>
+          <a:xfrm>
+            <a:off x="1085849" y="600657"/>
+            <a:ext cx="7742267" cy="549271"/>
+          </a:xfrm>
+        </p:spPr>
         <p:txBody>
-          <a:bodyPr/>
+          <a:bodyPr>
+            <a:normAutofit/>
+          </a:bodyPr>
           <a:lstStyle/>
           <a:p>
             <a:r>
-              <a:rPr lang="de-DE" dirty="0" smtClean="0"/>
-              <a:t>Gliederung</a:t>
-            </a:r>
-            <a:endParaRPr lang="de-DE" dirty="0"/>
+              <a:rPr lang="de-DE" dirty="0"/>
+              <a:t>das </a:t>
+            </a:r>
+            <a:r>
+              <a:rPr lang="de-DE" dirty="0" err="1"/>
+              <a:t>gewXhouse</a:t>
+            </a:r>
+            <a:r>
+              <a:rPr lang="de-DE" dirty="0"/>
+              <a:t> Projekt gibt‘s auf GitHub</a:t>
+            </a:r>
           </a:p>
         </p:txBody>
       </p:sp>
       <p:sp>
         <p:nvSpPr>
-          <p:cNvPr id="3" name="Inhaltsplatzhalter 2"/>
-          <p:cNvSpPr>
-            <a:spLocks noGrp="1"/>
-          </p:cNvSpPr>
-          <p:nvPr>
-            <p:ph idx="1"/>
-          </p:nvPr>
+          <p:cNvPr id="7" name="Gleichschenkliges Dreieck 6">
+            <a:extLst>
+              <a:ext uri="{FF2B5EF4-FFF2-40B4-BE49-F238E27FC236}">
+                <a16:creationId xmlns:a16="http://schemas.microsoft.com/office/drawing/2014/main" id="{4E5DE13F-0DF2-4194-A220-4DD4BDA498C1}"/>
+              </a:ext>
+            </a:extLst>
+          </p:cNvPr>
+          <p:cNvSpPr/>
+          <p:nvPr/>
         </p:nvSpPr>
-        <p:spPr/>
+        <p:spPr>
+          <a:xfrm flipV="1">
+            <a:off x="-275208" y="4560157"/>
+            <a:ext cx="10386874" cy="612704"/>
+          </a:xfrm>
+          <a:prstGeom prst="triangle">
+            <a:avLst>
+              <a:gd name="adj" fmla="val 50090"/>
+            </a:avLst>
+          </a:prstGeom>
+          <a:solidFill>
+            <a:srgbClr val="CFCFCF"/>
+          </a:solidFill>
+          <a:ln>
+            <a:noFill/>
+          </a:ln>
+        </p:spPr>
+        <p:style>
+          <a:lnRef idx="2">
+            <a:schemeClr val="accent1">
+              <a:shade val="50000"/>
+            </a:schemeClr>
+          </a:lnRef>
+          <a:fillRef idx="1">
+            <a:schemeClr val="accent1"/>
+          </a:fillRef>
+          <a:effectRef idx="0">
+            <a:schemeClr val="accent1"/>
+          </a:effectRef>
+          <a:fontRef idx="minor">
+            <a:schemeClr val="lt1"/>
+          </a:fontRef>
+        </p:style>
         <p:txBody>
-          <a:bodyPr/>
+          <a:bodyPr rtlCol="0" anchor="ctr"/>
           <a:lstStyle/>
           <a:p>
-            <a:r>
-              <a:rPr lang="de-DE" dirty="0" smtClean="0"/>
-              <a:t>Aufgabenstellung</a:t>
-            </a:r>
-          </a:p>
-          <a:p>
-            <a:r>
-              <a:rPr lang="de-DE" dirty="0" smtClean="0"/>
-              <a:t>Glashauseffekt</a:t>
-            </a:r>
-          </a:p>
-          <a:p>
-            <a:r>
-              <a:rPr lang="de-DE" dirty="0" smtClean="0"/>
-              <a:t>Aufbau </a:t>
-            </a:r>
-            <a:r>
-              <a:rPr lang="de-DE" dirty="0" err="1" smtClean="0"/>
-              <a:t>Bib</a:t>
-            </a:r>
-            <a:r>
-              <a:rPr lang="de-DE" dirty="0" smtClean="0"/>
-              <a:t>/Modell</a:t>
-            </a:r>
-          </a:p>
-          <a:p>
-            <a:r>
-              <a:rPr lang="de-DE" dirty="0" smtClean="0"/>
-              <a:t>Grundmodell/</a:t>
-            </a:r>
-            <a:r>
-              <a:rPr lang="de-DE" dirty="0" err="1" smtClean="0"/>
-              <a:t>prinzip</a:t>
-            </a:r>
-            <a:endParaRPr lang="de-DE" dirty="0" smtClean="0"/>
-          </a:p>
-          <a:p>
-            <a:endParaRPr lang="de-DE" dirty="0"/>
-          </a:p>
-          <a:p>
-            <a:r>
-              <a:rPr lang="de-DE" i="1" dirty="0" smtClean="0"/>
-              <a:t>Modell-Vorführung in </a:t>
-            </a:r>
-            <a:r>
-              <a:rPr lang="de-DE" i="1" dirty="0" err="1" smtClean="0"/>
-              <a:t>Modelica</a:t>
-            </a:r>
-            <a:endParaRPr lang="de-DE" i="1" dirty="0" smtClean="0"/>
-          </a:p>
-          <a:p>
-            <a:endParaRPr lang="de-DE" dirty="0"/>
-          </a:p>
-          <a:p>
-            <a:r>
-              <a:rPr lang="de-DE" dirty="0" smtClean="0"/>
-              <a:t>Vergleich der Temperaturverläufe</a:t>
-            </a:r>
-          </a:p>
-          <a:p>
-            <a:endParaRPr lang="de-DE" dirty="0" smtClean="0"/>
-          </a:p>
-          <a:p>
-            <a:endParaRPr lang="de-DE" dirty="0"/>
+            <a:pPr algn="ctr"/>
+            <a:endParaRPr lang="de-DE"/>
           </a:p>
         </p:txBody>
       </p:sp>
     </p:spTree>
     <p:extLst>
       <p:ext uri="{BB962C8B-B14F-4D97-AF65-F5344CB8AC3E}">
-        <p14:creationId xmlns:p14="http://schemas.microsoft.com/office/powerpoint/2010/main" val="1958309861"/>
+        <p14:creationId xmlns:p14="http://schemas.microsoft.com/office/powerpoint/2010/main" val="1126915113"/>
       </p:ext>
     </p:extLst>
   </p:cSld>
   <p:clrMapOvr>
     <a:masterClrMapping/>
   </p:clrMapOvr>
-  <p:timing>
-    <p:tnLst>
-      <p:par>
-        <p:cTn id="1" dur="indefinite" restart="never" nodeType="tmRoot"/>
-      </p:par>
-    </p:tnLst>
-  </p:timing>
 </p:sld>
 </file>
 
@@ -5450,7 +5770,132 @@
       </p:grpSpPr>
       <p:sp>
         <p:nvSpPr>
-          <p:cNvPr id="2" name="Titel 1"/>
+          <p:cNvPr id="15" name="Freihandform: Form 14">
+            <a:extLst>
+              <a:ext uri="{FF2B5EF4-FFF2-40B4-BE49-F238E27FC236}">
+                <a16:creationId xmlns:a16="http://schemas.microsoft.com/office/drawing/2014/main" id="{20056660-CB5F-42CB-B79F-D53C7E6A41A2}"/>
+              </a:ext>
+            </a:extLst>
+          </p:cNvPr>
+          <p:cNvSpPr/>
+          <p:nvPr/>
+        </p:nvSpPr>
+        <p:spPr>
+          <a:xfrm>
+            <a:off x="-116150" y="-185263"/>
+            <a:ext cx="10138299" cy="1731145"/>
+          </a:xfrm>
+          <a:custGeom>
+            <a:avLst/>
+            <a:gdLst>
+              <a:gd name="connsiteX0" fmla="*/ 17755 w 10138299"/>
+              <a:gd name="connsiteY0" fmla="*/ 568171 h 1731145"/>
+              <a:gd name="connsiteX1" fmla="*/ 0 w 10138299"/>
+              <a:gd name="connsiteY1" fmla="*/ 1162974 h 1731145"/>
+              <a:gd name="connsiteX2" fmla="*/ 4634144 w 10138299"/>
+              <a:gd name="connsiteY2" fmla="*/ 1731145 h 1731145"/>
+              <a:gd name="connsiteX3" fmla="*/ 10138299 w 10138299"/>
+              <a:gd name="connsiteY3" fmla="*/ 941033 h 1731145"/>
+              <a:gd name="connsiteX4" fmla="*/ 10129421 w 10138299"/>
+              <a:gd name="connsiteY4" fmla="*/ 497149 h 1731145"/>
+              <a:gd name="connsiteX5" fmla="*/ 5042516 w 10138299"/>
+              <a:gd name="connsiteY5" fmla="*/ 0 h 1731145"/>
+              <a:gd name="connsiteX6" fmla="*/ 17755 w 10138299"/>
+              <a:gd name="connsiteY6" fmla="*/ 568171 h 1731145"/>
+            </a:gdLst>
+            <a:ahLst/>
+            <a:cxnLst>
+              <a:cxn ang="0">
+                <a:pos x="connsiteX0" y="connsiteY0"/>
+              </a:cxn>
+              <a:cxn ang="0">
+                <a:pos x="connsiteX1" y="connsiteY1"/>
+              </a:cxn>
+              <a:cxn ang="0">
+                <a:pos x="connsiteX2" y="connsiteY2"/>
+              </a:cxn>
+              <a:cxn ang="0">
+                <a:pos x="connsiteX3" y="connsiteY3"/>
+              </a:cxn>
+              <a:cxn ang="0">
+                <a:pos x="connsiteX4" y="connsiteY4"/>
+              </a:cxn>
+              <a:cxn ang="0">
+                <a:pos x="connsiteX5" y="connsiteY5"/>
+              </a:cxn>
+              <a:cxn ang="0">
+                <a:pos x="connsiteX6" y="connsiteY6"/>
+              </a:cxn>
+            </a:cxnLst>
+            <a:rect l="l" t="t" r="r" b="b"/>
+            <a:pathLst>
+              <a:path w="10138299" h="1731145">
+                <a:moveTo>
+                  <a:pt x="17755" y="568171"/>
+                </a:moveTo>
+                <a:lnTo>
+                  <a:pt x="0" y="1162974"/>
+                </a:lnTo>
+                <a:lnTo>
+                  <a:pt x="4634144" y="1731145"/>
+                </a:lnTo>
+                <a:lnTo>
+                  <a:pt x="10138299" y="941033"/>
+                </a:lnTo>
+                <a:lnTo>
+                  <a:pt x="10129421" y="497149"/>
+                </a:lnTo>
+                <a:lnTo>
+                  <a:pt x="5042516" y="0"/>
+                </a:lnTo>
+                <a:lnTo>
+                  <a:pt x="17755" y="568171"/>
+                </a:lnTo>
+                <a:close/>
+              </a:path>
+            </a:pathLst>
+          </a:custGeom>
+          <a:solidFill>
+            <a:srgbClr val="CFCFCF"/>
+          </a:solidFill>
+          <a:ln>
+            <a:noFill/>
+          </a:ln>
+        </p:spPr>
+        <p:style>
+          <a:lnRef idx="2">
+            <a:schemeClr val="accent1">
+              <a:shade val="50000"/>
+            </a:schemeClr>
+          </a:lnRef>
+          <a:fillRef idx="1">
+            <a:schemeClr val="accent1"/>
+          </a:fillRef>
+          <a:effectRef idx="0">
+            <a:schemeClr val="accent1"/>
+          </a:effectRef>
+          <a:fontRef idx="minor">
+            <a:schemeClr val="lt1"/>
+          </a:fontRef>
+        </p:style>
+        <p:txBody>
+          <a:bodyPr rtlCol="0" anchor="ctr"/>
+          <a:lstStyle/>
+          <a:p>
+            <a:pPr algn="ctr"/>
+            <a:endParaRPr lang="de-DE"/>
+          </a:p>
+        </p:txBody>
+      </p:sp>
+      <p:sp>
+        <p:nvSpPr>
+          <p:cNvPr id="6" name="Titel 1">
+            <a:extLst>
+              <a:ext uri="{FF2B5EF4-FFF2-40B4-BE49-F238E27FC236}">
+                <a16:creationId xmlns:a16="http://schemas.microsoft.com/office/drawing/2014/main" id="{848D55A9-143D-4B68-8B02-2B49585E1B30}"/>
+              </a:ext>
+            </a:extLst>
+          </p:cNvPr>
           <p:cNvSpPr>
             <a:spLocks noGrp="1"/>
           </p:cNvSpPr>
@@ -5458,97 +5903,63 @@
             <p:ph type="title"/>
           </p:nvPr>
         </p:nvSpPr>
-        <p:spPr/>
+        <p:spPr>
+          <a:xfrm>
+            <a:off x="1085849" y="600657"/>
+            <a:ext cx="7742267" cy="549271"/>
+          </a:xfrm>
+        </p:spPr>
         <p:txBody>
           <a:bodyPr/>
           <a:lstStyle/>
           <a:p>
             <a:r>
-              <a:rPr lang="de-DE" dirty="0" smtClean="0"/>
-              <a:t>Aufgabenstellung</a:t>
-            </a:r>
-            <a:endParaRPr lang="de-DE" dirty="0"/>
+              <a:rPr lang="de-DE" dirty="0"/>
+              <a:t>der erste Prototyp</a:t>
+            </a:r>
           </a:p>
         </p:txBody>
       </p:sp>
-      <p:sp>
-        <p:nvSpPr>
-          <p:cNvPr id="3" name="Inhaltsplatzhalter 2"/>
-          <p:cNvSpPr>
-            <a:spLocks noGrp="1"/>
-          </p:cNvSpPr>
-          <p:nvPr>
-            <p:ph idx="1"/>
-          </p:nvPr>
-        </p:nvSpPr>
-        <p:spPr/>
-        <p:txBody>
-          <a:bodyPr/>
-          <a:lstStyle/>
-          <a:p>
-            <a:r>
-              <a:rPr lang="de-DE" dirty="0" smtClean="0"/>
-              <a:t>Erstellen einer </a:t>
-            </a:r>
-            <a:r>
-              <a:rPr lang="de-DE" dirty="0" err="1" smtClean="0"/>
-              <a:t>Modelica</a:t>
-            </a:r>
-            <a:r>
-              <a:rPr lang="de-DE" dirty="0" smtClean="0"/>
-              <a:t>-Bibliothek</a:t>
-            </a:r>
-          </a:p>
-          <a:p>
-            <a:r>
-              <a:rPr lang="de-DE" dirty="0" smtClean="0"/>
-              <a:t>Darstellen des Temperaturverlaufs im Inneren eines Glas-Gewächshauses</a:t>
-            </a:r>
-          </a:p>
-          <a:p>
-            <a:r>
-              <a:rPr lang="de-DE" dirty="0" smtClean="0"/>
-              <a:t>Am Standort der Hochschule Pforzheim</a:t>
-            </a:r>
-          </a:p>
-          <a:p>
-            <a:r>
-              <a:rPr lang="de-DE" dirty="0" smtClean="0"/>
-              <a:t>Grundfläche 3x3 m, freistehend ohne Abschattung </a:t>
-            </a:r>
-          </a:p>
-          <a:p>
-            <a:r>
-              <a:rPr lang="de-DE" dirty="0" smtClean="0"/>
-              <a:t>Über einen Zeitraum von 24 h</a:t>
-            </a:r>
-          </a:p>
-          <a:p>
-            <a:r>
-              <a:rPr lang="de-DE" dirty="0" smtClean="0"/>
-              <a:t>Am 26.07.2018</a:t>
-            </a:r>
-            <a:endParaRPr lang="de-DE" dirty="0"/>
-          </a:p>
-        </p:txBody>
-      </p:sp>
+      <p:pic>
+        <p:nvPicPr>
+          <p:cNvPr id="8" name="Grafik 7">
+            <a:extLst>
+              <a:ext uri="{FF2B5EF4-FFF2-40B4-BE49-F238E27FC236}">
+                <a16:creationId xmlns:a16="http://schemas.microsoft.com/office/drawing/2014/main" id="{A6A5F21D-1950-4D36-9214-9296F6C3B297}"/>
+              </a:ext>
+            </a:extLst>
+          </p:cNvPr>
+          <p:cNvPicPr>
+            <a:picLocks noChangeAspect="1"/>
+          </p:cNvPicPr>
+          <p:nvPr/>
+        </p:nvPicPr>
+        <p:blipFill>
+          <a:blip r:embed="rId3"/>
+          <a:stretch>
+            <a:fillRect/>
+          </a:stretch>
+        </p:blipFill>
+        <p:spPr>
+          <a:xfrm>
+            <a:off x="538942" y="1149928"/>
+            <a:ext cx="8828116" cy="4801733"/>
+          </a:xfrm>
+          <a:prstGeom prst="rect">
+            <a:avLst/>
+          </a:prstGeom>
+        </p:spPr>
+      </p:pic>
     </p:spTree>
     <p:extLst>
       <p:ext uri="{BB962C8B-B14F-4D97-AF65-F5344CB8AC3E}">
-        <p14:creationId xmlns:p14="http://schemas.microsoft.com/office/powerpoint/2010/main" val="1027225978"/>
+        <p14:creationId xmlns:p14="http://schemas.microsoft.com/office/powerpoint/2010/main" val="1233722444"/>
       </p:ext>
     </p:extLst>
   </p:cSld>
   <p:clrMapOvr>
     <a:masterClrMapping/>
   </p:clrMapOvr>
-  <p:timing>
-    <p:tnLst>
-      <p:par>
-        <p:cTn id="1" dur="indefinite" restart="never" nodeType="tmRoot"/>
-      </p:par>
-    </p:tnLst>
-  </p:timing>
 </p:sld>
 </file>
 
@@ -5571,341 +5982,132 @@
       </p:grpSpPr>
       <p:sp>
         <p:nvSpPr>
-          <p:cNvPr id="2" name="Titel 1"/>
-          <p:cNvSpPr>
-            <a:spLocks noGrp="1"/>
-          </p:cNvSpPr>
-          <p:nvPr>
-            <p:ph type="title"/>
-          </p:nvPr>
+          <p:cNvPr id="10" name="Freihandform: Form 9">
+            <a:extLst>
+              <a:ext uri="{FF2B5EF4-FFF2-40B4-BE49-F238E27FC236}">
+                <a16:creationId xmlns:a16="http://schemas.microsoft.com/office/drawing/2014/main" id="{BE5A0E8D-A09C-4C59-95C6-7235C5FB4D27}"/>
+              </a:ext>
+            </a:extLst>
+          </p:cNvPr>
+          <p:cNvSpPr/>
+          <p:nvPr/>
         </p:nvSpPr>
-        <p:spPr/>
+        <p:spPr>
+          <a:xfrm>
+            <a:off x="-116150" y="-185263"/>
+            <a:ext cx="10138299" cy="1731145"/>
+          </a:xfrm>
+          <a:custGeom>
+            <a:avLst/>
+            <a:gdLst>
+              <a:gd name="connsiteX0" fmla="*/ 17755 w 10138299"/>
+              <a:gd name="connsiteY0" fmla="*/ 568171 h 1731145"/>
+              <a:gd name="connsiteX1" fmla="*/ 0 w 10138299"/>
+              <a:gd name="connsiteY1" fmla="*/ 1162974 h 1731145"/>
+              <a:gd name="connsiteX2" fmla="*/ 4634144 w 10138299"/>
+              <a:gd name="connsiteY2" fmla="*/ 1731145 h 1731145"/>
+              <a:gd name="connsiteX3" fmla="*/ 10138299 w 10138299"/>
+              <a:gd name="connsiteY3" fmla="*/ 941033 h 1731145"/>
+              <a:gd name="connsiteX4" fmla="*/ 10129421 w 10138299"/>
+              <a:gd name="connsiteY4" fmla="*/ 497149 h 1731145"/>
+              <a:gd name="connsiteX5" fmla="*/ 5042516 w 10138299"/>
+              <a:gd name="connsiteY5" fmla="*/ 0 h 1731145"/>
+              <a:gd name="connsiteX6" fmla="*/ 17755 w 10138299"/>
+              <a:gd name="connsiteY6" fmla="*/ 568171 h 1731145"/>
+            </a:gdLst>
+            <a:ahLst/>
+            <a:cxnLst>
+              <a:cxn ang="0">
+                <a:pos x="connsiteX0" y="connsiteY0"/>
+              </a:cxn>
+              <a:cxn ang="0">
+                <a:pos x="connsiteX1" y="connsiteY1"/>
+              </a:cxn>
+              <a:cxn ang="0">
+                <a:pos x="connsiteX2" y="connsiteY2"/>
+              </a:cxn>
+              <a:cxn ang="0">
+                <a:pos x="connsiteX3" y="connsiteY3"/>
+              </a:cxn>
+              <a:cxn ang="0">
+                <a:pos x="connsiteX4" y="connsiteY4"/>
+              </a:cxn>
+              <a:cxn ang="0">
+                <a:pos x="connsiteX5" y="connsiteY5"/>
+              </a:cxn>
+              <a:cxn ang="0">
+                <a:pos x="connsiteX6" y="connsiteY6"/>
+              </a:cxn>
+            </a:cxnLst>
+            <a:rect l="l" t="t" r="r" b="b"/>
+            <a:pathLst>
+              <a:path w="10138299" h="1731145">
+                <a:moveTo>
+                  <a:pt x="17755" y="568171"/>
+                </a:moveTo>
+                <a:lnTo>
+                  <a:pt x="0" y="1162974"/>
+                </a:lnTo>
+                <a:lnTo>
+                  <a:pt x="4634144" y="1731145"/>
+                </a:lnTo>
+                <a:lnTo>
+                  <a:pt x="10138299" y="941033"/>
+                </a:lnTo>
+                <a:lnTo>
+                  <a:pt x="10129421" y="497149"/>
+                </a:lnTo>
+                <a:lnTo>
+                  <a:pt x="5042516" y="0"/>
+                </a:lnTo>
+                <a:lnTo>
+                  <a:pt x="17755" y="568171"/>
+                </a:lnTo>
+                <a:close/>
+              </a:path>
+            </a:pathLst>
+          </a:custGeom>
+          <a:solidFill>
+            <a:srgbClr val="CFCFCF"/>
+          </a:solidFill>
+          <a:ln>
+            <a:noFill/>
+          </a:ln>
+        </p:spPr>
+        <p:style>
+          <a:lnRef idx="2">
+            <a:schemeClr val="accent1">
+              <a:shade val="50000"/>
+            </a:schemeClr>
+          </a:lnRef>
+          <a:fillRef idx="1">
+            <a:schemeClr val="accent1"/>
+          </a:fillRef>
+          <a:effectRef idx="0">
+            <a:schemeClr val="accent1"/>
+          </a:effectRef>
+          <a:fontRef idx="minor">
+            <a:schemeClr val="lt1"/>
+          </a:fontRef>
+        </p:style>
         <p:txBody>
-          <a:bodyPr/>
+          <a:bodyPr rtlCol="0" anchor="ctr"/>
           <a:lstStyle/>
           <a:p>
-            <a:r>
-              <a:rPr lang="de-DE" dirty="0" smtClean="0"/>
-              <a:t>Glashauseffekt</a:t>
-            </a:r>
-            <a:endParaRPr lang="de-DE" dirty="0"/>
+            <a:pPr algn="ctr"/>
+            <a:endParaRPr lang="de-DE"/>
           </a:p>
         </p:txBody>
       </p:sp>
-      <p:pic>
-        <p:nvPicPr>
-          <p:cNvPr id="5" name="Inhaltsplatzhalter 15"/>
-          <p:cNvPicPr>
-            <a:picLocks noGrp="1" noChangeAspect="1"/>
-          </p:cNvPicPr>
-          <p:nvPr>
-            <p:ph idx="10"/>
-          </p:nvPr>
-        </p:nvPicPr>
-        <p:blipFill>
-          <a:blip r:embed="rId2">
+      <p:sp>
+        <p:nvSpPr>
+          <p:cNvPr id="3" name="Inhaltsplatzhalter 2">
             <a:extLst>
-              <a:ext uri="{28A0092B-C50C-407E-A947-70E740481C1C}">
-                <a14:useLocalDpi xmlns:a14="http://schemas.microsoft.com/office/drawing/2010/main" val="0"/>
+              <a:ext uri="{FF2B5EF4-FFF2-40B4-BE49-F238E27FC236}">
+                <a16:creationId xmlns:a16="http://schemas.microsoft.com/office/drawing/2014/main" id="{9241DF93-F962-49EE-9183-99DA508D75C6}"/>
               </a:ext>
             </a:extLst>
-          </a:blip>
-          <a:stretch>
-            <a:fillRect/>
-          </a:stretch>
-        </p:blipFill>
-        <p:spPr>
-          <a:xfrm>
-            <a:off x="5128310" y="1379538"/>
-            <a:ext cx="3634006" cy="4265612"/>
-          </a:xfrm>
-          <a:prstGeom prst="rect">
-            <a:avLst/>
-          </a:prstGeom>
-        </p:spPr>
-      </p:pic>
-      <p:grpSp>
-        <p:nvGrpSpPr>
-          <p:cNvPr id="13" name="Gruppieren 12"/>
-          <p:cNvGrpSpPr/>
-          <p:nvPr/>
-        </p:nvGrpSpPr>
-        <p:grpSpPr>
-          <a:xfrm>
-            <a:off x="5336459" y="1555955"/>
-            <a:ext cx="3329868" cy="3225603"/>
-            <a:chOff x="5336459" y="1555955"/>
-            <a:chExt cx="3329868" cy="3225603"/>
-          </a:xfrm>
-        </p:grpSpPr>
-        <p:sp>
-          <p:nvSpPr>
-            <p:cNvPr id="7" name="Textfeld 6"/>
-            <p:cNvSpPr txBox="1"/>
-            <p:nvPr/>
-          </p:nvSpPr>
-          <p:spPr>
-            <a:xfrm>
-              <a:off x="6430297" y="1555955"/>
-              <a:ext cx="518091" cy="230832"/>
-            </a:xfrm>
-            <a:prstGeom prst="rect">
-              <a:avLst/>
-            </a:prstGeom>
-            <a:noFill/>
-          </p:spPr>
-          <p:txBody>
-            <a:bodyPr wrap="none" rtlCol="0">
-              <a:spAutoFit/>
-            </a:bodyPr>
-            <a:lstStyle/>
-            <a:p>
-              <a:r>
-                <a:rPr lang="de-DE" sz="900" dirty="0">
-                  <a:solidFill>
-                    <a:schemeClr val="tx1">
-                      <a:lumMod val="50000"/>
-                    </a:schemeClr>
-                  </a:solidFill>
-                </a:rPr>
-                <a:t>S</a:t>
-              </a:r>
-              <a:r>
-                <a:rPr lang="de-DE" sz="900" dirty="0" smtClean="0">
-                  <a:solidFill>
-                    <a:schemeClr val="tx1">
-                      <a:lumMod val="50000"/>
-                    </a:schemeClr>
-                  </a:solidFill>
-                </a:rPr>
-                <a:t>onne</a:t>
-              </a:r>
-              <a:endParaRPr lang="de-DE" sz="1100" dirty="0">
-                <a:solidFill>
-                  <a:schemeClr val="tx1">
-                    <a:lumMod val="50000"/>
-                  </a:schemeClr>
-                </a:solidFill>
-              </a:endParaRPr>
-            </a:p>
-          </p:txBody>
-        </p:sp>
-        <p:sp>
-          <p:nvSpPr>
-            <p:cNvPr id="8" name="Textfeld 7"/>
-            <p:cNvSpPr txBox="1"/>
-            <p:nvPr/>
-          </p:nvSpPr>
-          <p:spPr>
-            <a:xfrm>
-              <a:off x="6420038" y="2158181"/>
-              <a:ext cx="1056700" cy="369332"/>
-            </a:xfrm>
-            <a:prstGeom prst="rect">
-              <a:avLst/>
-            </a:prstGeom>
-            <a:noFill/>
-          </p:spPr>
-          <p:txBody>
-            <a:bodyPr wrap="none" rtlCol="0">
-              <a:spAutoFit/>
-            </a:bodyPr>
-            <a:lstStyle/>
-            <a:p>
-              <a:r>
-                <a:rPr lang="de-DE" sz="900" dirty="0">
-                  <a:solidFill>
-                    <a:schemeClr val="tx1">
-                      <a:lumMod val="50000"/>
-                    </a:schemeClr>
-                  </a:solidFill>
-                </a:rPr>
-                <a:t>k</a:t>
-              </a:r>
-              <a:r>
-                <a:rPr lang="de-DE" sz="900" dirty="0" smtClean="0">
-                  <a:solidFill>
-                    <a:schemeClr val="tx1">
-                      <a:lumMod val="50000"/>
-                    </a:schemeClr>
-                  </a:solidFill>
-                </a:rPr>
-                <a:t>urzwellige</a:t>
-              </a:r>
-            </a:p>
-            <a:p>
-              <a:r>
-                <a:rPr lang="de-DE" sz="900" dirty="0" smtClean="0">
-                  <a:solidFill>
-                    <a:schemeClr val="tx1">
-                      <a:lumMod val="50000"/>
-                    </a:schemeClr>
-                  </a:solidFill>
-                </a:rPr>
-                <a:t>Sonnenstrahlung</a:t>
-              </a:r>
-              <a:endParaRPr lang="de-DE" sz="900" dirty="0">
-                <a:solidFill>
-                  <a:schemeClr val="tx1">
-                    <a:lumMod val="50000"/>
-                  </a:schemeClr>
-                </a:solidFill>
-              </a:endParaRPr>
-            </a:p>
-          </p:txBody>
-        </p:sp>
-        <p:sp>
-          <p:nvSpPr>
-            <p:cNvPr id="9" name="Textfeld 8"/>
-            <p:cNvSpPr txBox="1"/>
-            <p:nvPr/>
-          </p:nvSpPr>
-          <p:spPr>
-            <a:xfrm>
-              <a:off x="7474975" y="2580253"/>
-              <a:ext cx="1191352" cy="230832"/>
-            </a:xfrm>
-            <a:prstGeom prst="rect">
-              <a:avLst/>
-            </a:prstGeom>
-            <a:noFill/>
-          </p:spPr>
-          <p:txBody>
-            <a:bodyPr wrap="none" rtlCol="0">
-              <a:spAutoFit/>
-            </a:bodyPr>
-            <a:lstStyle/>
-            <a:p>
-              <a:r>
-                <a:rPr lang="de-DE" sz="900" dirty="0" smtClean="0">
-                  <a:solidFill>
-                    <a:schemeClr val="tx1">
-                      <a:lumMod val="50000"/>
-                    </a:schemeClr>
-                  </a:solidFill>
-                </a:rPr>
-                <a:t>Gewächshauswand</a:t>
-              </a:r>
-              <a:endParaRPr lang="de-DE" sz="900" dirty="0">
-                <a:solidFill>
-                  <a:schemeClr val="tx1">
-                    <a:lumMod val="50000"/>
-                  </a:schemeClr>
-                </a:solidFill>
-              </a:endParaRPr>
-            </a:p>
-          </p:txBody>
-        </p:sp>
-        <p:sp>
-          <p:nvSpPr>
-            <p:cNvPr id="10" name="Textfeld 9"/>
-            <p:cNvSpPr txBox="1"/>
-            <p:nvPr/>
-          </p:nvSpPr>
-          <p:spPr>
-            <a:xfrm>
-              <a:off x="6898367" y="3892171"/>
-              <a:ext cx="755335" cy="230832"/>
-            </a:xfrm>
-            <a:prstGeom prst="rect">
-              <a:avLst/>
-            </a:prstGeom>
-            <a:noFill/>
-          </p:spPr>
-          <p:txBody>
-            <a:bodyPr wrap="none" rtlCol="0">
-              <a:spAutoFit/>
-            </a:bodyPr>
-            <a:lstStyle/>
-            <a:p>
-              <a:r>
-                <a:rPr lang="de-DE" sz="900" dirty="0" smtClean="0">
-                  <a:solidFill>
-                    <a:schemeClr val="tx1">
-                      <a:lumMod val="50000"/>
-                    </a:schemeClr>
-                  </a:solidFill>
-                </a:rPr>
-                <a:t>Konvektion</a:t>
-              </a:r>
-              <a:endParaRPr lang="de-DE" sz="900" dirty="0">
-                <a:solidFill>
-                  <a:schemeClr val="tx1">
-                    <a:lumMod val="50000"/>
-                  </a:schemeClr>
-                </a:solidFill>
-              </a:endParaRPr>
-            </a:p>
-          </p:txBody>
-        </p:sp>
-        <p:sp>
-          <p:nvSpPr>
-            <p:cNvPr id="11" name="Textfeld 10"/>
-            <p:cNvSpPr txBox="1"/>
-            <p:nvPr/>
-          </p:nvSpPr>
-          <p:spPr>
-            <a:xfrm>
-              <a:off x="5336459" y="4412226"/>
-              <a:ext cx="1160206" cy="369332"/>
-            </a:xfrm>
-            <a:prstGeom prst="rect">
-              <a:avLst/>
-            </a:prstGeom>
-            <a:noFill/>
-          </p:spPr>
-          <p:txBody>
-            <a:bodyPr wrap="square" rtlCol="0">
-              <a:spAutoFit/>
-            </a:bodyPr>
-            <a:lstStyle/>
-            <a:p>
-              <a:r>
-                <a:rPr lang="de-DE" sz="900" dirty="0">
-                  <a:solidFill>
-                    <a:schemeClr val="tx1">
-                      <a:lumMod val="50000"/>
-                    </a:schemeClr>
-                  </a:solidFill>
-                </a:rPr>
-                <a:t>l</a:t>
-              </a:r>
-              <a:r>
-                <a:rPr lang="de-DE" sz="900" dirty="0" smtClean="0">
-                  <a:solidFill>
-                    <a:schemeClr val="tx1">
-                      <a:lumMod val="50000"/>
-                    </a:schemeClr>
-                  </a:solidFill>
-                </a:rPr>
-                <a:t>angwellige</a:t>
-              </a:r>
-            </a:p>
-            <a:p>
-              <a:r>
-                <a:rPr lang="de-DE" sz="900" dirty="0" smtClean="0">
-                  <a:solidFill>
-                    <a:schemeClr val="tx1">
-                      <a:lumMod val="50000"/>
-                    </a:schemeClr>
-                  </a:solidFill>
-                </a:rPr>
-                <a:t>Wärmestrahlung</a:t>
-              </a:r>
-              <a:endParaRPr lang="de-DE" sz="900" dirty="0">
-                <a:solidFill>
-                  <a:schemeClr val="tx1">
-                    <a:lumMod val="50000"/>
-                  </a:schemeClr>
-                </a:solidFill>
-              </a:endParaRPr>
-            </a:p>
-          </p:txBody>
-        </p:sp>
-      </p:grpSp>
-      <p:sp>
-        <p:nvSpPr>
-          <p:cNvPr id="12" name="Inhaltsplatzhalter 11"/>
+          </p:cNvPr>
           <p:cNvSpPr>
             <a:spLocks noGrp="1"/>
           </p:cNvSpPr>
@@ -5918,64 +6120,117 @@
           <a:bodyPr/>
           <a:lstStyle/>
           <a:p>
+            <a:endParaRPr lang="de-DE" dirty="0"/>
+          </a:p>
+          <a:p>
             <a:pPr marL="285750" indent="-285750">
-              <a:buFont typeface="Arial" panose="020B0604020202020204" pitchFamily="34" charset="0"/>
-              <a:buChar char="•"/>
+              <a:buFont typeface="Symbol" panose="05050102010706020507" pitchFamily="18" charset="2"/>
+              <a:buChar char="-"/>
             </a:pPr>
             <a:r>
               <a:rPr lang="de-DE" dirty="0"/>
-              <a:t>k</a:t>
-            </a:r>
-            <a:r>
-              <a:rPr lang="de-DE" dirty="0" smtClean="0"/>
-              <a:t>urzwellige Sonnenstrahlen treffen auf das Glasgewächshaus</a:t>
+              <a:t>alle Inhalte in einer Datei</a:t>
             </a:r>
           </a:p>
           <a:p>
             <a:pPr marL="285750" indent="-285750">
-              <a:buFont typeface="Arial" panose="020B0604020202020204" pitchFamily="34" charset="0"/>
-              <a:buChar char="•"/>
+              <a:buFont typeface="Symbol" panose="05050102010706020507" pitchFamily="18" charset="2"/>
+              <a:buChar char="-"/>
             </a:pPr>
             <a:r>
-              <a:rPr lang="de-DE" dirty="0" smtClean="0"/>
-              <a:t>Die inneren Flächen absorbieren Sonnenstrahlung</a:t>
+              <a:rPr lang="de-DE" dirty="0"/>
+              <a:t>Komponenten zu stark von einander abhängig</a:t>
             </a:r>
           </a:p>
           <a:p>
             <a:pPr marL="285750" indent="-285750">
-              <a:buFont typeface="Arial" panose="020B0604020202020204" pitchFamily="34" charset="0"/>
-              <a:buChar char="•"/>
+              <a:buFont typeface="Symbol" panose="05050102010706020507" pitchFamily="18" charset="2"/>
+              <a:buChar char="-"/>
             </a:pPr>
             <a:r>
-              <a:rPr lang="de-DE" dirty="0" smtClean="0"/>
-              <a:t>Emittieren wiederum langwellige Wärmestrahlung</a:t>
+              <a:rPr lang="de-DE" dirty="0"/>
+              <a:t>keine echte modulare Struktur</a:t>
             </a:r>
           </a:p>
           <a:p>
             <a:pPr marL="285750" indent="-285750">
-              <a:buFont typeface="Arial" panose="020B0604020202020204" pitchFamily="34" charset="0"/>
-              <a:buChar char="•"/>
+              <a:buFont typeface="Symbol" panose="05050102010706020507" pitchFamily="18" charset="2"/>
+              <a:buChar char="-"/>
             </a:pPr>
             <a:r>
-              <a:rPr lang="de-DE" dirty="0" smtClean="0"/>
-              <a:t>Wärmestrahlung kann Glaswand nicht passieren</a:t>
-            </a:r>
-          </a:p>
-          <a:p>
-            <a:r>
-              <a:rPr lang="de-DE" dirty="0" smtClean="0">
-                <a:sym typeface="Wingdings" panose="05000000000000000000" pitchFamily="2" charset="2"/>
-              </a:rPr>
-              <a:t> Innentemperatur steigt an </a:t>
-            </a:r>
-            <a:endParaRPr lang="de-DE" dirty="0"/>
+              <a:rPr lang="de-DE" dirty="0"/>
+              <a:t>Simulation funktionierte nur für spezielles Beispielhaus</a:t>
+            </a:r>
           </a:p>
         </p:txBody>
       </p:sp>
+      <p:sp>
+        <p:nvSpPr>
+          <p:cNvPr id="6" name="Titel 1">
+            <a:extLst>
+              <a:ext uri="{FF2B5EF4-FFF2-40B4-BE49-F238E27FC236}">
+                <a16:creationId xmlns:a16="http://schemas.microsoft.com/office/drawing/2014/main" id="{848D55A9-143D-4B68-8B02-2B49585E1B30}"/>
+              </a:ext>
+            </a:extLst>
+          </p:cNvPr>
+          <p:cNvSpPr>
+            <a:spLocks noGrp="1"/>
+          </p:cNvSpPr>
+          <p:nvPr>
+            <p:ph type="title"/>
+          </p:nvPr>
+        </p:nvSpPr>
+        <p:spPr>
+          <a:xfrm>
+            <a:off x="1085849" y="600657"/>
+            <a:ext cx="7742267" cy="549271"/>
+          </a:xfrm>
+        </p:spPr>
+        <p:txBody>
+          <a:bodyPr/>
+          <a:lstStyle/>
+          <a:p>
+            <a:r>
+              <a:rPr lang="de-DE" dirty="0"/>
+              <a:t>das alte Model</a:t>
+            </a:r>
+          </a:p>
+        </p:txBody>
+      </p:sp>
+      <p:pic>
+        <p:nvPicPr>
+          <p:cNvPr id="5" name="Grafik 4">
+            <a:extLst>
+              <a:ext uri="{FF2B5EF4-FFF2-40B4-BE49-F238E27FC236}">
+                <a16:creationId xmlns:a16="http://schemas.microsoft.com/office/drawing/2014/main" id="{45A0FC05-7B41-471D-917A-E74878D54B33}"/>
+              </a:ext>
+            </a:extLst>
+          </p:cNvPr>
+          <p:cNvPicPr>
+            <a:picLocks noChangeAspect="1"/>
+          </p:cNvPicPr>
+          <p:nvPr/>
+        </p:nvPicPr>
+        <p:blipFill>
+          <a:blip r:embed="rId2"/>
+          <a:stretch>
+            <a:fillRect/>
+          </a:stretch>
+        </p:blipFill>
+        <p:spPr>
+          <a:xfrm>
+            <a:off x="5053914" y="1545882"/>
+            <a:ext cx="3766235" cy="3766235"/>
+          </a:xfrm>
+          <a:prstGeom prst="rect">
+            <a:avLst/>
+          </a:prstGeom>
+        </p:spPr>
+      </p:pic>
     </p:spTree>
     <p:extLst>
       <p:ext uri="{BB962C8B-B14F-4D97-AF65-F5344CB8AC3E}">
-        <p14:creationId xmlns:p14="http://schemas.microsoft.com/office/powerpoint/2010/main" val="3858740394"/>
+        <p14:creationId xmlns:p14="http://schemas.microsoft.com/office/powerpoint/2010/main" val="2693007193"/>
       </p:ext>
     </p:extLst>
   </p:cSld>
@@ -6004,182 +6259,132 @@
       </p:grpSpPr>
       <p:sp>
         <p:nvSpPr>
-          <p:cNvPr id="2" name="Titel 1"/>
-          <p:cNvSpPr>
-            <a:spLocks noGrp="1"/>
-          </p:cNvSpPr>
-          <p:nvPr>
-            <p:ph type="title"/>
-          </p:nvPr>
+          <p:cNvPr id="16" name="Freihandform: Form 15">
+            <a:extLst>
+              <a:ext uri="{FF2B5EF4-FFF2-40B4-BE49-F238E27FC236}">
+                <a16:creationId xmlns:a16="http://schemas.microsoft.com/office/drawing/2014/main" id="{B67090E8-5CF9-4BF4-AD75-70E699730D77}"/>
+              </a:ext>
+            </a:extLst>
+          </p:cNvPr>
+          <p:cNvSpPr/>
+          <p:nvPr/>
         </p:nvSpPr>
-        <p:spPr/>
+        <p:spPr>
+          <a:xfrm>
+            <a:off x="-116150" y="-185263"/>
+            <a:ext cx="10138299" cy="1731145"/>
+          </a:xfrm>
+          <a:custGeom>
+            <a:avLst/>
+            <a:gdLst>
+              <a:gd name="connsiteX0" fmla="*/ 17755 w 10138299"/>
+              <a:gd name="connsiteY0" fmla="*/ 568171 h 1731145"/>
+              <a:gd name="connsiteX1" fmla="*/ 0 w 10138299"/>
+              <a:gd name="connsiteY1" fmla="*/ 1162974 h 1731145"/>
+              <a:gd name="connsiteX2" fmla="*/ 4634144 w 10138299"/>
+              <a:gd name="connsiteY2" fmla="*/ 1731145 h 1731145"/>
+              <a:gd name="connsiteX3" fmla="*/ 10138299 w 10138299"/>
+              <a:gd name="connsiteY3" fmla="*/ 941033 h 1731145"/>
+              <a:gd name="connsiteX4" fmla="*/ 10129421 w 10138299"/>
+              <a:gd name="connsiteY4" fmla="*/ 497149 h 1731145"/>
+              <a:gd name="connsiteX5" fmla="*/ 5042516 w 10138299"/>
+              <a:gd name="connsiteY5" fmla="*/ 0 h 1731145"/>
+              <a:gd name="connsiteX6" fmla="*/ 17755 w 10138299"/>
+              <a:gd name="connsiteY6" fmla="*/ 568171 h 1731145"/>
+            </a:gdLst>
+            <a:ahLst/>
+            <a:cxnLst>
+              <a:cxn ang="0">
+                <a:pos x="connsiteX0" y="connsiteY0"/>
+              </a:cxn>
+              <a:cxn ang="0">
+                <a:pos x="connsiteX1" y="connsiteY1"/>
+              </a:cxn>
+              <a:cxn ang="0">
+                <a:pos x="connsiteX2" y="connsiteY2"/>
+              </a:cxn>
+              <a:cxn ang="0">
+                <a:pos x="connsiteX3" y="connsiteY3"/>
+              </a:cxn>
+              <a:cxn ang="0">
+                <a:pos x="connsiteX4" y="connsiteY4"/>
+              </a:cxn>
+              <a:cxn ang="0">
+                <a:pos x="connsiteX5" y="connsiteY5"/>
+              </a:cxn>
+              <a:cxn ang="0">
+                <a:pos x="connsiteX6" y="connsiteY6"/>
+              </a:cxn>
+            </a:cxnLst>
+            <a:rect l="l" t="t" r="r" b="b"/>
+            <a:pathLst>
+              <a:path w="10138299" h="1731145">
+                <a:moveTo>
+                  <a:pt x="17755" y="568171"/>
+                </a:moveTo>
+                <a:lnTo>
+                  <a:pt x="0" y="1162974"/>
+                </a:lnTo>
+                <a:lnTo>
+                  <a:pt x="4634144" y="1731145"/>
+                </a:lnTo>
+                <a:lnTo>
+                  <a:pt x="10138299" y="941033"/>
+                </a:lnTo>
+                <a:lnTo>
+                  <a:pt x="10129421" y="497149"/>
+                </a:lnTo>
+                <a:lnTo>
+                  <a:pt x="5042516" y="0"/>
+                </a:lnTo>
+                <a:lnTo>
+                  <a:pt x="17755" y="568171"/>
+                </a:lnTo>
+                <a:close/>
+              </a:path>
+            </a:pathLst>
+          </a:custGeom>
+          <a:solidFill>
+            <a:srgbClr val="CFCFCF"/>
+          </a:solidFill>
+          <a:ln>
+            <a:noFill/>
+          </a:ln>
+        </p:spPr>
+        <p:style>
+          <a:lnRef idx="2">
+            <a:schemeClr val="accent1">
+              <a:shade val="50000"/>
+            </a:schemeClr>
+          </a:lnRef>
+          <a:fillRef idx="1">
+            <a:schemeClr val="accent1"/>
+          </a:fillRef>
+          <a:effectRef idx="0">
+            <a:schemeClr val="accent1"/>
+          </a:effectRef>
+          <a:fontRef idx="minor">
+            <a:schemeClr val="lt1"/>
+          </a:fontRef>
+        </p:style>
         <p:txBody>
-          <a:bodyPr/>
+          <a:bodyPr rtlCol="0" anchor="ctr"/>
           <a:lstStyle/>
           <a:p>
-            <a:r>
-              <a:rPr lang="de-DE" dirty="0" smtClean="0"/>
-              <a:t>Aufbau der Bibliothek</a:t>
-            </a:r>
-            <a:endParaRPr lang="de-DE" dirty="0"/>
-          </a:p>
-        </p:txBody>
-      </p:sp>
-      <p:sp>
-        <p:nvSpPr>
-          <p:cNvPr id="3" name="Inhaltsplatzhalter 2"/>
-          <p:cNvSpPr>
-            <a:spLocks noGrp="1"/>
-          </p:cNvSpPr>
-          <p:nvPr>
-            <p:ph idx="1"/>
-          </p:nvPr>
-        </p:nvSpPr>
-        <p:spPr/>
-        <p:txBody>
-          <a:bodyPr/>
-          <a:lstStyle/>
-          <a:p>
-            <a:endParaRPr lang="de-DE" sz="1800" dirty="0"/>
-          </a:p>
-          <a:p>
-            <a:endParaRPr lang="de-DE" sz="1800" dirty="0"/>
-          </a:p>
-          <a:p>
-            <a:endParaRPr lang="de-DE" sz="1800" dirty="0"/>
-          </a:p>
-          <a:p>
-            <a:endParaRPr lang="de-DE" sz="1800" dirty="0"/>
-          </a:p>
-        </p:txBody>
-      </p:sp>
-      <p:sp>
-        <p:nvSpPr>
-          <p:cNvPr id="4" name="Inhaltsplatzhalter 3"/>
-          <p:cNvSpPr>
-            <a:spLocks noGrp="1"/>
-          </p:cNvSpPr>
-          <p:nvPr>
-            <p:ph idx="10"/>
-          </p:nvPr>
-        </p:nvSpPr>
-        <p:spPr/>
-        <p:txBody>
-          <a:bodyPr/>
-          <a:lstStyle/>
-          <a:p>
-            <a:pPr marL="285750" indent="-285750">
-              <a:buFont typeface="Arial" panose="020B0604020202020204" pitchFamily="34" charset="0"/>
-              <a:buChar char="•"/>
-            </a:pPr>
-            <a:r>
-              <a:rPr lang="de-DE" dirty="0" smtClean="0"/>
-              <a:t>Modelle</a:t>
-            </a:r>
-            <a:endParaRPr lang="de-DE" dirty="0" smtClean="0"/>
-          </a:p>
-          <a:p>
-            <a:pPr marL="971550" lvl="1" indent="-285750"/>
-            <a:r>
-              <a:rPr lang="de-DE" sz="1600" dirty="0" smtClean="0"/>
-              <a:t>Sonne </a:t>
-            </a:r>
-          </a:p>
-          <a:p>
-            <a:pPr marL="971550" lvl="1" indent="-285750"/>
-            <a:r>
-              <a:rPr lang="de-DE" sz="1600" dirty="0" smtClean="0"/>
-              <a:t>Umgebung</a:t>
-            </a:r>
-          </a:p>
-          <a:p>
-            <a:pPr marL="971550" lvl="1" indent="-285750"/>
-            <a:r>
-              <a:rPr lang="de-DE" sz="1600" dirty="0" smtClean="0"/>
-              <a:t>Haus:</a:t>
-            </a:r>
-          </a:p>
-          <a:p>
-            <a:pPr marL="1428750" lvl="2" indent="-285750"/>
-            <a:r>
-              <a:rPr lang="de-DE" sz="1200" dirty="0" smtClean="0"/>
-              <a:t>Boden</a:t>
-            </a:r>
-          </a:p>
-          <a:p>
-            <a:pPr marL="1428750" lvl="2" indent="-285750"/>
-            <a:r>
-              <a:rPr lang="de-DE" sz="1200" dirty="0" smtClean="0"/>
-              <a:t>Wand</a:t>
-            </a:r>
-          </a:p>
-          <a:p>
-            <a:pPr marL="1428750" lvl="2" indent="-285750"/>
-            <a:r>
-              <a:rPr lang="de-DE" sz="1200" dirty="0" smtClean="0"/>
-              <a:t>Luft</a:t>
-            </a:r>
-          </a:p>
-          <a:p>
-            <a:pPr marL="1428750" lvl="2" indent="-285750"/>
-            <a:r>
-              <a:rPr lang="de-DE" sz="1200" dirty="0" smtClean="0"/>
-              <a:t>Glas</a:t>
-            </a:r>
-            <a:endParaRPr lang="de-DE" sz="1200" dirty="0" smtClean="0"/>
-          </a:p>
-          <a:p>
-            <a:pPr marL="1428750" lvl="2" indent="-285750"/>
-            <a:r>
-              <a:rPr lang="de-DE" sz="1200" dirty="0" smtClean="0"/>
-              <a:t>Belüftung </a:t>
-            </a:r>
-            <a:endParaRPr lang="de-DE" sz="1200" dirty="0" smtClean="0"/>
-          </a:p>
-          <a:p>
-            <a:pPr marL="285750" indent="-285750">
-              <a:buFont typeface="Arial" panose="020B0604020202020204" pitchFamily="34" charset="0"/>
-              <a:buChar char="•"/>
-            </a:pPr>
-            <a:r>
-              <a:rPr lang="de-DE" dirty="0" err="1" smtClean="0"/>
-              <a:t>Connectoren</a:t>
-            </a:r>
-            <a:r>
-              <a:rPr lang="de-DE" dirty="0" smtClean="0"/>
-              <a:t>:</a:t>
-            </a:r>
-          </a:p>
-          <a:p>
-            <a:pPr marL="971550" lvl="1" indent="-285750"/>
-            <a:r>
-              <a:rPr lang="de-DE" sz="1600" dirty="0" smtClean="0"/>
-              <a:t>Wärmekondensator </a:t>
-            </a:r>
-          </a:p>
-          <a:p>
-            <a:pPr marL="971550" lvl="1" indent="-285750"/>
-            <a:r>
-              <a:rPr lang="de-DE" sz="1600" dirty="0" smtClean="0"/>
-              <a:t>Wärmeleiter</a:t>
-            </a:r>
-          </a:p>
-          <a:p>
-            <a:pPr marL="971550" lvl="1" indent="-285750"/>
-            <a:r>
-              <a:rPr lang="de-DE" sz="1600" dirty="0" smtClean="0"/>
-              <a:t>Strahlung</a:t>
-            </a:r>
-            <a:endParaRPr lang="de-DE" sz="1600" dirty="0" smtClean="0"/>
-          </a:p>
-          <a:p>
-            <a:endParaRPr lang="de-DE" sz="1800" dirty="0"/>
+            <a:pPr algn="ctr"/>
+            <a:endParaRPr lang="de-DE"/>
           </a:p>
         </p:txBody>
       </p:sp>
       <p:pic>
         <p:nvPicPr>
-          <p:cNvPr id="5" name="Grafik 4"/>
+          <p:cNvPr id="4" name="Grafik 3">
+            <a:extLst>
+              <a:ext uri="{FF2B5EF4-FFF2-40B4-BE49-F238E27FC236}">
+                <a16:creationId xmlns:a16="http://schemas.microsoft.com/office/drawing/2014/main" id="{B788D7EB-FEDF-4B72-A119-D74EA2A4356D}"/>
+              </a:ext>
+            </a:extLst>
+          </p:cNvPr>
           <p:cNvPicPr>
             <a:picLocks noChangeAspect="1"/>
           </p:cNvPicPr>
@@ -6193,31 +6398,131 @@
         </p:blipFill>
         <p:spPr>
           <a:xfrm>
-            <a:off x="1713572" y="1493570"/>
-            <a:ext cx="1704975" cy="3467100"/>
+            <a:off x="5810875" y="1378990"/>
+            <a:ext cx="1691081" cy="4705588"/>
           </a:xfrm>
           <a:prstGeom prst="rect">
             <a:avLst/>
           </a:prstGeom>
         </p:spPr>
       </p:pic>
+      <p:sp>
+        <p:nvSpPr>
+          <p:cNvPr id="9" name="Titel 1">
+            <a:extLst>
+              <a:ext uri="{FF2B5EF4-FFF2-40B4-BE49-F238E27FC236}">
+                <a16:creationId xmlns:a16="http://schemas.microsoft.com/office/drawing/2014/main" id="{E2E469C0-E4C7-4608-80FD-059158A884EF}"/>
+              </a:ext>
+            </a:extLst>
+          </p:cNvPr>
+          <p:cNvSpPr>
+            <a:spLocks noGrp="1"/>
+          </p:cNvSpPr>
+          <p:nvPr>
+            <p:ph type="title"/>
+          </p:nvPr>
+        </p:nvSpPr>
+        <p:spPr>
+          <a:xfrm>
+            <a:off x="1085849" y="600657"/>
+            <a:ext cx="7742267" cy="549271"/>
+          </a:xfrm>
+        </p:spPr>
+        <p:txBody>
+          <a:bodyPr/>
+          <a:lstStyle/>
+          <a:p>
+            <a:r>
+              <a:rPr lang="de-DE" dirty="0"/>
+              <a:t>das alte Model</a:t>
+            </a:r>
+          </a:p>
+        </p:txBody>
+      </p:sp>
+      <p:sp>
+        <p:nvSpPr>
+          <p:cNvPr id="12" name="Inhaltsplatzhalter 2">
+            <a:extLst>
+              <a:ext uri="{FF2B5EF4-FFF2-40B4-BE49-F238E27FC236}">
+                <a16:creationId xmlns:a16="http://schemas.microsoft.com/office/drawing/2014/main" id="{EC080092-F4EF-4DA9-A109-691BE74410C2}"/>
+              </a:ext>
+            </a:extLst>
+          </p:cNvPr>
+          <p:cNvSpPr>
+            <a:spLocks noGrp="1"/>
+          </p:cNvSpPr>
+          <p:nvPr>
+            <p:ph idx="1"/>
+          </p:nvPr>
+        </p:nvSpPr>
+        <p:spPr>
+          <a:xfrm>
+            <a:off x="1085851" y="1378990"/>
+            <a:ext cx="3766236" cy="4266000"/>
+          </a:xfrm>
+        </p:spPr>
+        <p:txBody>
+          <a:bodyPr/>
+          <a:lstStyle/>
+          <a:p>
+            <a:endParaRPr lang="de-DE" dirty="0"/>
+          </a:p>
+          <a:p>
+            <a:pPr marL="285750" indent="-285750">
+              <a:buFont typeface="Symbol" panose="05050102010706020507" pitchFamily="18" charset="2"/>
+              <a:buChar char="-"/>
+            </a:pPr>
+            <a:r>
+              <a:rPr lang="de-DE" dirty="0"/>
+              <a:t>alle Inhalte in einer Datei</a:t>
+            </a:r>
+          </a:p>
+          <a:p>
+            <a:pPr marL="285750" indent="-285750">
+              <a:buFont typeface="Symbol" panose="05050102010706020507" pitchFamily="18" charset="2"/>
+              <a:buChar char="-"/>
+            </a:pPr>
+            <a:r>
+              <a:rPr lang="de-DE"/>
+              <a:t>Komponenten zu </a:t>
+            </a:r>
+            <a:r>
+              <a:rPr lang="de-DE" dirty="0"/>
+              <a:t>stark von einander abhängig</a:t>
+            </a:r>
+          </a:p>
+          <a:p>
+            <a:pPr marL="285750" indent="-285750">
+              <a:buFont typeface="Symbol" panose="05050102010706020507" pitchFamily="18" charset="2"/>
+              <a:buChar char="-"/>
+            </a:pPr>
+            <a:r>
+              <a:rPr lang="de-DE" dirty="0"/>
+              <a:t>keine echte modulare Struktur</a:t>
+            </a:r>
+          </a:p>
+          <a:p>
+            <a:pPr marL="285750" indent="-285750">
+              <a:buFont typeface="Symbol" panose="05050102010706020507" pitchFamily="18" charset="2"/>
+              <a:buChar char="-"/>
+            </a:pPr>
+            <a:r>
+              <a:rPr lang="de-DE" dirty="0"/>
+              <a:t>Simulation funktionierte nur für spezielles Beispielhaus</a:t>
+            </a:r>
+          </a:p>
+        </p:txBody>
+      </p:sp>
     </p:spTree>
     <p:extLst>
       <p:ext uri="{BB962C8B-B14F-4D97-AF65-F5344CB8AC3E}">
-        <p14:creationId xmlns:p14="http://schemas.microsoft.com/office/powerpoint/2010/main" val="3653264029"/>
+        <p14:creationId xmlns:p14="http://schemas.microsoft.com/office/powerpoint/2010/main" val="1720855454"/>
       </p:ext>
     </p:extLst>
   </p:cSld>
   <p:clrMapOvr>
     <a:masterClrMapping/>
   </p:clrMapOvr>
-  <p:timing>
-    <p:tnLst>
-      <p:par>
-        <p:cTn id="1" dur="indefinite" restart="never" nodeType="tmRoot"/>
-      </p:par>
-    </p:tnLst>
-  </p:timing>
 </p:sld>
 </file>
 
@@ -6240,7 +6545,132 @@
       </p:grpSpPr>
       <p:sp>
         <p:nvSpPr>
-          <p:cNvPr id="2" name="Titel 1"/>
+          <p:cNvPr id="9" name="Freihandform: Form 8">
+            <a:extLst>
+              <a:ext uri="{FF2B5EF4-FFF2-40B4-BE49-F238E27FC236}">
+                <a16:creationId xmlns:a16="http://schemas.microsoft.com/office/drawing/2014/main" id="{A3389026-7AF0-4D9E-885E-472845977FDC}"/>
+              </a:ext>
+            </a:extLst>
+          </p:cNvPr>
+          <p:cNvSpPr/>
+          <p:nvPr/>
+        </p:nvSpPr>
+        <p:spPr>
+          <a:xfrm>
+            <a:off x="-116150" y="-185263"/>
+            <a:ext cx="10138299" cy="1731145"/>
+          </a:xfrm>
+          <a:custGeom>
+            <a:avLst/>
+            <a:gdLst>
+              <a:gd name="connsiteX0" fmla="*/ 17755 w 10138299"/>
+              <a:gd name="connsiteY0" fmla="*/ 568171 h 1731145"/>
+              <a:gd name="connsiteX1" fmla="*/ 0 w 10138299"/>
+              <a:gd name="connsiteY1" fmla="*/ 1162974 h 1731145"/>
+              <a:gd name="connsiteX2" fmla="*/ 4634144 w 10138299"/>
+              <a:gd name="connsiteY2" fmla="*/ 1731145 h 1731145"/>
+              <a:gd name="connsiteX3" fmla="*/ 10138299 w 10138299"/>
+              <a:gd name="connsiteY3" fmla="*/ 941033 h 1731145"/>
+              <a:gd name="connsiteX4" fmla="*/ 10129421 w 10138299"/>
+              <a:gd name="connsiteY4" fmla="*/ 497149 h 1731145"/>
+              <a:gd name="connsiteX5" fmla="*/ 5042516 w 10138299"/>
+              <a:gd name="connsiteY5" fmla="*/ 0 h 1731145"/>
+              <a:gd name="connsiteX6" fmla="*/ 17755 w 10138299"/>
+              <a:gd name="connsiteY6" fmla="*/ 568171 h 1731145"/>
+            </a:gdLst>
+            <a:ahLst/>
+            <a:cxnLst>
+              <a:cxn ang="0">
+                <a:pos x="connsiteX0" y="connsiteY0"/>
+              </a:cxn>
+              <a:cxn ang="0">
+                <a:pos x="connsiteX1" y="connsiteY1"/>
+              </a:cxn>
+              <a:cxn ang="0">
+                <a:pos x="connsiteX2" y="connsiteY2"/>
+              </a:cxn>
+              <a:cxn ang="0">
+                <a:pos x="connsiteX3" y="connsiteY3"/>
+              </a:cxn>
+              <a:cxn ang="0">
+                <a:pos x="connsiteX4" y="connsiteY4"/>
+              </a:cxn>
+              <a:cxn ang="0">
+                <a:pos x="connsiteX5" y="connsiteY5"/>
+              </a:cxn>
+              <a:cxn ang="0">
+                <a:pos x="connsiteX6" y="connsiteY6"/>
+              </a:cxn>
+            </a:cxnLst>
+            <a:rect l="l" t="t" r="r" b="b"/>
+            <a:pathLst>
+              <a:path w="10138299" h="1731145">
+                <a:moveTo>
+                  <a:pt x="17755" y="568171"/>
+                </a:moveTo>
+                <a:lnTo>
+                  <a:pt x="0" y="1162974"/>
+                </a:lnTo>
+                <a:lnTo>
+                  <a:pt x="4634144" y="1731145"/>
+                </a:lnTo>
+                <a:lnTo>
+                  <a:pt x="10138299" y="941033"/>
+                </a:lnTo>
+                <a:lnTo>
+                  <a:pt x="10129421" y="497149"/>
+                </a:lnTo>
+                <a:lnTo>
+                  <a:pt x="5042516" y="0"/>
+                </a:lnTo>
+                <a:lnTo>
+                  <a:pt x="17755" y="568171"/>
+                </a:lnTo>
+                <a:close/>
+              </a:path>
+            </a:pathLst>
+          </a:custGeom>
+          <a:solidFill>
+            <a:srgbClr val="CFCFCF"/>
+          </a:solidFill>
+          <a:ln>
+            <a:noFill/>
+          </a:ln>
+        </p:spPr>
+        <p:style>
+          <a:lnRef idx="2">
+            <a:schemeClr val="accent1">
+              <a:shade val="50000"/>
+            </a:schemeClr>
+          </a:lnRef>
+          <a:fillRef idx="1">
+            <a:schemeClr val="accent1"/>
+          </a:fillRef>
+          <a:effectRef idx="0">
+            <a:schemeClr val="accent1"/>
+          </a:effectRef>
+          <a:fontRef idx="minor">
+            <a:schemeClr val="lt1"/>
+          </a:fontRef>
+        </p:style>
+        <p:txBody>
+          <a:bodyPr rtlCol="0" anchor="ctr"/>
+          <a:lstStyle/>
+          <a:p>
+            <a:pPr algn="ctr"/>
+            <a:endParaRPr lang="de-DE"/>
+          </a:p>
+        </p:txBody>
+      </p:sp>
+      <p:sp>
+        <p:nvSpPr>
+          <p:cNvPr id="2" name="Titel 1">
+            <a:extLst>
+              <a:ext uri="{FF2B5EF4-FFF2-40B4-BE49-F238E27FC236}">
+                <a16:creationId xmlns:a16="http://schemas.microsoft.com/office/drawing/2014/main" id="{516635E3-4232-4290-BDF0-5609DE245024}"/>
+              </a:ext>
+            </a:extLst>
+          </p:cNvPr>
           <p:cNvSpPr>
             <a:spLocks noGrp="1"/>
           </p:cNvSpPr>
@@ -6250,20 +6680,27 @@
         </p:nvSpPr>
         <p:spPr/>
         <p:txBody>
-          <a:bodyPr/>
+          <a:bodyPr>
+            <a:normAutofit fontScale="90000"/>
+          </a:bodyPr>
           <a:lstStyle/>
           <a:p>
             <a:r>
-              <a:rPr lang="de-DE" dirty="0" smtClean="0"/>
-              <a:t>Sonne </a:t>
-            </a:r>
-            <a:endParaRPr lang="de-DE" dirty="0"/>
+              <a:rPr lang="de-DE" dirty="0"/>
+              <a:t>Anforderungen/Herausforderungen überdenken…</a:t>
+            </a:r>
           </a:p>
         </p:txBody>
       </p:sp>
       <p:sp>
         <p:nvSpPr>
-          <p:cNvPr id="3" name="Inhaltsplatzhalter 2"/>
+          <p:cNvPr id="3" name="Inhaltsplatzhalter 2">
+            <a:extLst>
+              <a:ext uri="{FF2B5EF4-FFF2-40B4-BE49-F238E27FC236}">
+                <a16:creationId xmlns:a16="http://schemas.microsoft.com/office/drawing/2014/main" id="{1EC70724-D26C-4DF1-9335-91A10E113AA9}"/>
+              </a:ext>
+            </a:extLst>
+          </p:cNvPr>
           <p:cNvSpPr>
             <a:spLocks noGrp="1"/>
           </p:cNvSpPr>
@@ -6271,68 +6708,123 @@
             <p:ph idx="1"/>
           </p:nvPr>
         </p:nvSpPr>
-        <p:spPr/>
+        <p:spPr>
+          <a:xfrm>
+            <a:off x="1085850" y="1991694"/>
+            <a:ext cx="4897699" cy="3437454"/>
+          </a:xfrm>
+        </p:spPr>
         <p:txBody>
           <a:bodyPr/>
           <a:lstStyle/>
           <a:p>
-            <a:r>
-              <a:rPr lang="de-DE" dirty="0" smtClean="0"/>
-              <a:t>Anforderungen:</a:t>
-            </a:r>
-          </a:p>
-          <a:p>
-            <a:pPr lvl="1">
+            <a:pPr marL="285750" indent="-285750">
               <a:buFont typeface="Symbol" panose="05050102010706020507" pitchFamily="18" charset="2"/>
               <a:buChar char="-"/>
             </a:pPr>
             <a:r>
-              <a:rPr lang="de-DE" dirty="0" smtClean="0"/>
-              <a:t>Azimut und Höhe</a:t>
-            </a:r>
-          </a:p>
-          <a:p>
-            <a:pPr lvl="1">
+              <a:rPr lang="de-DE" dirty="0" err="1"/>
+              <a:t>Modelica</a:t>
+            </a:r>
+            <a:r>
+              <a:rPr lang="de-DE" dirty="0"/>
+              <a:t> arbeitet NICHT sequenziell</a:t>
+            </a:r>
+          </a:p>
+          <a:p>
+            <a:pPr marL="285750" indent="-285750">
               <a:buFont typeface="Symbol" panose="05050102010706020507" pitchFamily="18" charset="2"/>
               <a:buChar char="-"/>
             </a:pPr>
             <a:r>
-              <a:rPr lang="de-DE" dirty="0" smtClean="0"/>
-              <a:t>Direktstrahlung</a:t>
-            </a:r>
-          </a:p>
-          <a:p>
-            <a:pPr lvl="1">
+              <a:rPr lang="de-DE" dirty="0"/>
+              <a:t>Syntax und Semantik nicht immer bekannt</a:t>
+            </a:r>
+          </a:p>
+          <a:p>
+            <a:pPr marL="285750" indent="-285750">
               <a:buFont typeface="Symbol" panose="05050102010706020507" pitchFamily="18" charset="2"/>
               <a:buChar char="-"/>
             </a:pPr>
             <a:endParaRPr lang="de-DE" dirty="0"/>
           </a:p>
           <a:p>
-            <a:pPr marL="457200" lvl="1" indent="0">
-              <a:buNone/>
+            <a:pPr marL="285750" indent="-285750">
+              <a:buFont typeface="Wingdings" panose="05000000000000000000" pitchFamily="2" charset="2"/>
+              <a:buChar char="Ø"/>
             </a:pPr>
-            <a:endParaRPr lang="de-DE" dirty="0" smtClean="0"/>
+            <a:r>
+              <a:rPr lang="de-DE" dirty="0"/>
+              <a:t>Projekt-Struktur überarbeiten</a:t>
+            </a:r>
+          </a:p>
+          <a:p>
+            <a:pPr marL="285750" indent="-285750">
+              <a:buFont typeface="Wingdings" panose="05000000000000000000" pitchFamily="2" charset="2"/>
+              <a:buChar char="Ø"/>
+            </a:pPr>
+            <a:r>
+              <a:rPr lang="de-DE" dirty="0"/>
+              <a:t>Bestehende Blöcke aus </a:t>
+            </a:r>
+            <a:r>
+              <a:rPr lang="de-DE" dirty="0" err="1"/>
+              <a:t>Modelica</a:t>
+            </a:r>
+            <a:r>
+              <a:rPr lang="de-DE" dirty="0"/>
+              <a:t> nutzen</a:t>
+            </a:r>
+          </a:p>
+          <a:p>
+            <a:pPr marL="285750" indent="-285750">
+              <a:buFont typeface="Symbol" panose="05050102010706020507" pitchFamily="18" charset="2"/>
+              <a:buChar char="-"/>
+            </a:pPr>
+            <a:endParaRPr lang="de-DE" dirty="0"/>
           </a:p>
         </p:txBody>
       </p:sp>
+      <p:pic>
+        <p:nvPicPr>
+          <p:cNvPr id="5" name="Grafik 4">
+            <a:extLst>
+              <a:ext uri="{FF2B5EF4-FFF2-40B4-BE49-F238E27FC236}">
+                <a16:creationId xmlns:a16="http://schemas.microsoft.com/office/drawing/2014/main" id="{E3DDB486-0AC0-4FE0-A74B-980573A2A64F}"/>
+              </a:ext>
+            </a:extLst>
+          </p:cNvPr>
+          <p:cNvPicPr>
+            <a:picLocks noChangeAspect="1"/>
+          </p:cNvPicPr>
+          <p:nvPr/>
+        </p:nvPicPr>
+        <p:blipFill>
+          <a:blip r:embed="rId2"/>
+          <a:stretch>
+            <a:fillRect/>
+          </a:stretch>
+        </p:blipFill>
+        <p:spPr>
+          <a:xfrm>
+            <a:off x="5983549" y="1634658"/>
+            <a:ext cx="1619250" cy="2981325"/>
+          </a:xfrm>
+          <a:prstGeom prst="rect">
+            <a:avLst/>
+          </a:prstGeom>
+        </p:spPr>
+      </p:pic>
     </p:spTree>
     <p:extLst>
       <p:ext uri="{BB962C8B-B14F-4D97-AF65-F5344CB8AC3E}">
-        <p14:creationId xmlns:p14="http://schemas.microsoft.com/office/powerpoint/2010/main" val="2485291031"/>
+        <p14:creationId xmlns:p14="http://schemas.microsoft.com/office/powerpoint/2010/main" val="1139220581"/>
       </p:ext>
     </p:extLst>
   </p:cSld>
   <p:clrMapOvr>
     <a:masterClrMapping/>
   </p:clrMapOvr>
-  <p:timing>
-    <p:tnLst>
-      <p:par>
-        <p:cTn id="1" dur="indefinite" restart="never" nodeType="tmRoot"/>
-      </p:par>
-    </p:tnLst>
-  </p:timing>
 </p:sld>
 </file>
 
@@ -6355,7 +6847,132 @@
       </p:grpSpPr>
       <p:sp>
         <p:nvSpPr>
-          <p:cNvPr id="2" name="Titel 1"/>
+          <p:cNvPr id="10" name="Freihandform: Form 9">
+            <a:extLst>
+              <a:ext uri="{FF2B5EF4-FFF2-40B4-BE49-F238E27FC236}">
+                <a16:creationId xmlns:a16="http://schemas.microsoft.com/office/drawing/2014/main" id="{5972F908-65F2-49F5-B248-CB2D571F8D00}"/>
+              </a:ext>
+            </a:extLst>
+          </p:cNvPr>
+          <p:cNvSpPr/>
+          <p:nvPr/>
+        </p:nvSpPr>
+        <p:spPr>
+          <a:xfrm>
+            <a:off x="-116150" y="-185263"/>
+            <a:ext cx="10138299" cy="1731145"/>
+          </a:xfrm>
+          <a:custGeom>
+            <a:avLst/>
+            <a:gdLst>
+              <a:gd name="connsiteX0" fmla="*/ 17755 w 10138299"/>
+              <a:gd name="connsiteY0" fmla="*/ 568171 h 1731145"/>
+              <a:gd name="connsiteX1" fmla="*/ 0 w 10138299"/>
+              <a:gd name="connsiteY1" fmla="*/ 1162974 h 1731145"/>
+              <a:gd name="connsiteX2" fmla="*/ 4634144 w 10138299"/>
+              <a:gd name="connsiteY2" fmla="*/ 1731145 h 1731145"/>
+              <a:gd name="connsiteX3" fmla="*/ 10138299 w 10138299"/>
+              <a:gd name="connsiteY3" fmla="*/ 941033 h 1731145"/>
+              <a:gd name="connsiteX4" fmla="*/ 10129421 w 10138299"/>
+              <a:gd name="connsiteY4" fmla="*/ 497149 h 1731145"/>
+              <a:gd name="connsiteX5" fmla="*/ 5042516 w 10138299"/>
+              <a:gd name="connsiteY5" fmla="*/ 0 h 1731145"/>
+              <a:gd name="connsiteX6" fmla="*/ 17755 w 10138299"/>
+              <a:gd name="connsiteY6" fmla="*/ 568171 h 1731145"/>
+            </a:gdLst>
+            <a:ahLst/>
+            <a:cxnLst>
+              <a:cxn ang="0">
+                <a:pos x="connsiteX0" y="connsiteY0"/>
+              </a:cxn>
+              <a:cxn ang="0">
+                <a:pos x="connsiteX1" y="connsiteY1"/>
+              </a:cxn>
+              <a:cxn ang="0">
+                <a:pos x="connsiteX2" y="connsiteY2"/>
+              </a:cxn>
+              <a:cxn ang="0">
+                <a:pos x="connsiteX3" y="connsiteY3"/>
+              </a:cxn>
+              <a:cxn ang="0">
+                <a:pos x="connsiteX4" y="connsiteY4"/>
+              </a:cxn>
+              <a:cxn ang="0">
+                <a:pos x="connsiteX5" y="connsiteY5"/>
+              </a:cxn>
+              <a:cxn ang="0">
+                <a:pos x="connsiteX6" y="connsiteY6"/>
+              </a:cxn>
+            </a:cxnLst>
+            <a:rect l="l" t="t" r="r" b="b"/>
+            <a:pathLst>
+              <a:path w="10138299" h="1731145">
+                <a:moveTo>
+                  <a:pt x="17755" y="568171"/>
+                </a:moveTo>
+                <a:lnTo>
+                  <a:pt x="0" y="1162974"/>
+                </a:lnTo>
+                <a:lnTo>
+                  <a:pt x="4634144" y="1731145"/>
+                </a:lnTo>
+                <a:lnTo>
+                  <a:pt x="10138299" y="941033"/>
+                </a:lnTo>
+                <a:lnTo>
+                  <a:pt x="10129421" y="497149"/>
+                </a:lnTo>
+                <a:lnTo>
+                  <a:pt x="5042516" y="0"/>
+                </a:lnTo>
+                <a:lnTo>
+                  <a:pt x="17755" y="568171"/>
+                </a:lnTo>
+                <a:close/>
+              </a:path>
+            </a:pathLst>
+          </a:custGeom>
+          <a:solidFill>
+            <a:srgbClr val="CFCFCF"/>
+          </a:solidFill>
+          <a:ln>
+            <a:noFill/>
+          </a:ln>
+        </p:spPr>
+        <p:style>
+          <a:lnRef idx="2">
+            <a:schemeClr val="accent1">
+              <a:shade val="50000"/>
+            </a:schemeClr>
+          </a:lnRef>
+          <a:fillRef idx="1">
+            <a:schemeClr val="accent1"/>
+          </a:fillRef>
+          <a:effectRef idx="0">
+            <a:schemeClr val="accent1"/>
+          </a:effectRef>
+          <a:fontRef idx="minor">
+            <a:schemeClr val="lt1"/>
+          </a:fontRef>
+        </p:style>
+        <p:txBody>
+          <a:bodyPr rtlCol="0" anchor="ctr"/>
+          <a:lstStyle/>
+          <a:p>
+            <a:pPr algn="ctr"/>
+            <a:endParaRPr lang="de-DE"/>
+          </a:p>
+        </p:txBody>
+      </p:sp>
+      <p:sp>
+        <p:nvSpPr>
+          <p:cNvPr id="6" name="Titel 1">
+            <a:extLst>
+              <a:ext uri="{FF2B5EF4-FFF2-40B4-BE49-F238E27FC236}">
+                <a16:creationId xmlns:a16="http://schemas.microsoft.com/office/drawing/2014/main" id="{848D55A9-143D-4B68-8B02-2B49585E1B30}"/>
+              </a:ext>
+            </a:extLst>
+          </p:cNvPr>
           <p:cNvSpPr>
             <a:spLocks noGrp="1"/>
           </p:cNvSpPr>
@@ -6363,22 +6980,32 @@
             <p:ph type="title"/>
           </p:nvPr>
         </p:nvSpPr>
-        <p:spPr/>
+        <p:spPr>
+          <a:xfrm>
+            <a:off x="1085849" y="600657"/>
+            <a:ext cx="7742267" cy="549271"/>
+          </a:xfrm>
+        </p:spPr>
         <p:txBody>
           <a:bodyPr/>
           <a:lstStyle/>
           <a:p>
             <a:r>
-              <a:rPr lang="de-DE" dirty="0" smtClean="0"/>
-              <a:t>Haus </a:t>
-            </a:r>
-            <a:endParaRPr lang="de-DE" dirty="0"/>
+              <a:rPr lang="de-DE" dirty="0"/>
+              <a:t>Gesamtüberarbeitung des Models</a:t>
+            </a:r>
           </a:p>
         </p:txBody>
       </p:sp>
       <p:sp>
         <p:nvSpPr>
-          <p:cNvPr id="3" name="Inhaltsplatzhalter 2"/>
+          <p:cNvPr id="5" name="Inhaltsplatzhalter 4">
+            <a:extLst>
+              <a:ext uri="{FF2B5EF4-FFF2-40B4-BE49-F238E27FC236}">
+                <a16:creationId xmlns:a16="http://schemas.microsoft.com/office/drawing/2014/main" id="{34EFEBDC-B2F1-4A5D-97A8-528ADA1C9D7C}"/>
+              </a:ext>
+            </a:extLst>
+          </p:cNvPr>
           <p:cNvSpPr>
             <a:spLocks noGrp="1"/>
           </p:cNvSpPr>
@@ -6391,47 +7018,77 @@
           <a:bodyPr/>
           <a:lstStyle/>
           <a:p>
-            <a:r>
-              <a:rPr lang="de-DE" dirty="0" smtClean="0"/>
-              <a:t>Anforderungen:</a:t>
-            </a:r>
-          </a:p>
-          <a:p>
-            <a:pPr marL="457200" lvl="1" indent="0">
-              <a:buNone/>
-            </a:pPr>
-            <a:endParaRPr lang="de-DE" dirty="0" smtClean="0"/>
-          </a:p>
-          <a:p>
-            <a:pPr lvl="1">
+            <a:endParaRPr lang="de-DE" dirty="0"/>
+          </a:p>
+          <a:p>
+            <a:pPr marL="285750" indent="-285750">
               <a:buFont typeface="Symbol" panose="05050102010706020507" pitchFamily="18" charset="2"/>
               <a:buChar char="-"/>
             </a:pPr>
             <a:r>
-              <a:rPr lang="de-DE" dirty="0" err="1" smtClean="0"/>
-              <a:t>Cgjdfxj</a:t>
-            </a:r>
-            <a:endParaRPr lang="de-DE" dirty="0" smtClean="0"/>
-          </a:p>
-          <a:p>
-            <a:pPr lvl="1">
+              <a:rPr lang="de-DE" dirty="0"/>
+              <a:t>vollständig modular</a:t>
+            </a:r>
+          </a:p>
+          <a:p>
+            <a:pPr marL="285750" indent="-285750">
               <a:buFont typeface="Symbol" panose="05050102010706020507" pitchFamily="18" charset="2"/>
               <a:buChar char="-"/>
             </a:pPr>
+            <a:r>
+              <a:rPr lang="de-DE" dirty="0"/>
+              <a:t>Komponenten flexibel austauschbar</a:t>
+            </a:r>
+          </a:p>
+          <a:p>
+            <a:pPr marL="285750" indent="-285750">
+              <a:buFont typeface="Wingdings" panose="05000000000000000000" pitchFamily="2" charset="2"/>
+              <a:buChar char="Ø"/>
+            </a:pPr>
+            <a:r>
+              <a:rPr lang="de-DE" dirty="0"/>
+              <a:t>individuelle Gartenhausmodelle einsetzbar</a:t>
+            </a:r>
+          </a:p>
+          <a:p>
             <a:endParaRPr lang="de-DE" dirty="0"/>
-          </a:p>
-          <a:p>
-            <a:pPr marL="457200" lvl="1" indent="0">
-              <a:buNone/>
-            </a:pPr>
-            <a:endParaRPr lang="de-DE" dirty="0" smtClean="0"/>
           </a:p>
         </p:txBody>
       </p:sp>
+      <p:pic>
+        <p:nvPicPr>
+          <p:cNvPr id="11" name="Grafik 10">
+            <a:extLst>
+              <a:ext uri="{FF2B5EF4-FFF2-40B4-BE49-F238E27FC236}">
+                <a16:creationId xmlns:a16="http://schemas.microsoft.com/office/drawing/2014/main" id="{D7E0A79E-2EC0-4BB1-96D1-E92354242525}"/>
+              </a:ext>
+            </a:extLst>
+          </p:cNvPr>
+          <p:cNvPicPr>
+            <a:picLocks noChangeAspect="1"/>
+          </p:cNvPicPr>
+          <p:nvPr/>
+        </p:nvPicPr>
+        <p:blipFill>
+          <a:blip r:embed="rId2"/>
+          <a:stretch>
+            <a:fillRect/>
+          </a:stretch>
+        </p:blipFill>
+        <p:spPr>
+          <a:xfrm>
+            <a:off x="5924550" y="1450011"/>
+            <a:ext cx="1943100" cy="4438650"/>
+          </a:xfrm>
+          <a:prstGeom prst="rect">
+            <a:avLst/>
+          </a:prstGeom>
+        </p:spPr>
+      </p:pic>
     </p:spTree>
     <p:extLst>
       <p:ext uri="{BB962C8B-B14F-4D97-AF65-F5344CB8AC3E}">
-        <p14:creationId xmlns:p14="http://schemas.microsoft.com/office/powerpoint/2010/main" val="2803619148"/>
+        <p14:creationId xmlns:p14="http://schemas.microsoft.com/office/powerpoint/2010/main" val="3765709100"/>
       </p:ext>
     </p:extLst>
   </p:cSld>
@@ -6442,100 +7099,6 @@
 </file>
 
 <file path=ppt/slides/slide8.xml><?xml version="1.0" encoding="utf-8"?>
-<p:sld xmlns:a="http://schemas.openxmlformats.org/drawingml/2006/main" xmlns:r="http://schemas.openxmlformats.org/officeDocument/2006/relationships" xmlns:p="http://schemas.openxmlformats.org/presentationml/2006/main">
-  <p:cSld>
-    <p:spTree>
-      <p:nvGrpSpPr>
-        <p:cNvPr id="1" name=""/>
-        <p:cNvGrpSpPr/>
-        <p:nvPr/>
-      </p:nvGrpSpPr>
-      <p:grpSpPr>
-        <a:xfrm>
-          <a:off x="0" y="0"/>
-          <a:ext cx="0" cy="0"/>
-          <a:chOff x="0" y="0"/>
-          <a:chExt cx="0" cy="0"/>
-        </a:xfrm>
-      </p:grpSpPr>
-      <p:sp>
-        <p:nvSpPr>
-          <p:cNvPr id="2" name="Titel 1"/>
-          <p:cNvSpPr>
-            <a:spLocks noGrp="1"/>
-          </p:cNvSpPr>
-          <p:nvPr>
-            <p:ph type="title"/>
-          </p:nvPr>
-        </p:nvSpPr>
-        <p:spPr/>
-        <p:txBody>
-          <a:bodyPr/>
-          <a:lstStyle/>
-          <a:p>
-            <a:r>
-              <a:rPr lang="de-DE" dirty="0" smtClean="0"/>
-              <a:t>Umgebung </a:t>
-            </a:r>
-            <a:endParaRPr lang="de-DE" dirty="0"/>
-          </a:p>
-        </p:txBody>
-      </p:sp>
-      <p:sp>
-        <p:nvSpPr>
-          <p:cNvPr id="3" name="Inhaltsplatzhalter 2"/>
-          <p:cNvSpPr>
-            <a:spLocks noGrp="1"/>
-          </p:cNvSpPr>
-          <p:nvPr>
-            <p:ph idx="1"/>
-          </p:nvPr>
-        </p:nvSpPr>
-        <p:spPr/>
-        <p:txBody>
-          <a:bodyPr/>
-          <a:lstStyle/>
-          <a:p>
-            <a:r>
-              <a:rPr lang="de-DE" dirty="0" smtClean="0"/>
-              <a:t>Anforderungen:</a:t>
-            </a:r>
-          </a:p>
-          <a:p>
-            <a:pPr marL="457200" lvl="1" indent="0">
-              <a:buNone/>
-            </a:pPr>
-            <a:endParaRPr lang="de-DE" dirty="0" smtClean="0"/>
-          </a:p>
-          <a:p>
-            <a:pPr lvl="1">
-              <a:buFont typeface="Symbol" panose="05050102010706020507" pitchFamily="18" charset="2"/>
-              <a:buChar char="-"/>
-            </a:pPr>
-            <a:endParaRPr lang="de-DE" dirty="0"/>
-          </a:p>
-          <a:p>
-            <a:pPr marL="457200" lvl="1" indent="0">
-              <a:buNone/>
-            </a:pPr>
-            <a:endParaRPr lang="de-DE" dirty="0" smtClean="0"/>
-          </a:p>
-        </p:txBody>
-      </p:sp>
-    </p:spTree>
-    <p:extLst>
-      <p:ext uri="{BB962C8B-B14F-4D97-AF65-F5344CB8AC3E}">
-        <p14:creationId xmlns:p14="http://schemas.microsoft.com/office/powerpoint/2010/main" val="1133471206"/>
-      </p:ext>
-    </p:extLst>
-  </p:cSld>
-  <p:clrMapOvr>
-    <a:masterClrMapping/>
-  </p:clrMapOvr>
-</p:sld>
-</file>
-
-<file path=ppt/slides/slide9.xml><?xml version="1.0" encoding="utf-8"?>
 <p:sld xmlns:a="http://schemas.openxmlformats.org/drawingml/2006/main" xmlns:r="http://schemas.openxmlformats.org/officeDocument/2006/relationships" xmlns:p="http://schemas.openxmlformats.org/presentationml/2006/main">
   <p:cSld>
     <p:spTree>
@@ -6572,28 +7135,21 @@
           <a:bodyPr/>
           <a:lstStyle/>
           <a:p>
-            <a:r>
-              <a:rPr lang="de-DE" dirty="0" smtClean="0"/>
-              <a:t>Vielen Dank für Ihre Aufmerksamkeit</a:t>
-            </a:r>
-          </a:p>
-          <a:p>
             <a:endParaRPr lang="de-DE" dirty="0"/>
           </a:p>
           <a:p>
             <a:r>
-              <a:rPr lang="de-DE" dirty="0" smtClean="0"/>
+              <a:rPr lang="de-DE" dirty="0"/>
               <a:t>jetzt weiter in </a:t>
             </a:r>
             <a:r>
-              <a:rPr lang="de-DE" dirty="0" err="1" smtClean="0"/>
-              <a:t>Modelica</a:t>
-            </a:r>
-            <a:r>
-              <a:rPr lang="de-DE" dirty="0" smtClean="0"/>
-              <a:t>  </a:t>
-            </a:r>
-            <a:endParaRPr lang="de-DE" dirty="0"/>
+              <a:rPr lang="de-DE" dirty="0" err="1"/>
+              <a:t>OpenModelica</a:t>
+            </a:r>
+            <a:r>
+              <a:rPr lang="de-DE" dirty="0"/>
+              <a:t>…  </a:t>
+            </a:r>
           </a:p>
         </p:txBody>
       </p:sp>
